--- a/courses/sysprog/slides/lec02-charIO.pptx
+++ b/courses/sysprog/slides/lec02-charIO.pptx
@@ -5122,13 +5122,31 @@
               <a:buNone/>
             </a:pPr>
             <a:r>
-              <a:rPr lang="en-US" altLang="zh-CN" sz="2000" b="1">
-                <a:solidFill>
-                  <a:schemeClr val="folHlink"/>
-                </a:solidFill>
-                <a:latin typeface="Courier New" panose="02070309020205020404" pitchFamily="49" charset="0"/>
-              </a:rPr>
-              <a:t>#include &lt;stdio.h&gt; </a:t>
+              <a:rPr lang="en-US" altLang="zh-CN" sz="2000" b="1" dirty="0">
+                <a:solidFill>
+                  <a:schemeClr val="folHlink"/>
+                </a:solidFill>
+                <a:latin typeface="Courier New" panose="02070309020205020404" pitchFamily="49" charset="0"/>
+              </a:rPr>
+              <a:t>#include &lt;</a:t>
+            </a:r>
+            <a:r>
+              <a:rPr lang="en-US" altLang="zh-CN" sz="2000" b="1" dirty="0" err="1">
+                <a:solidFill>
+                  <a:schemeClr val="folHlink"/>
+                </a:solidFill>
+                <a:latin typeface="Courier New" panose="02070309020205020404" pitchFamily="49" charset="0"/>
+              </a:rPr>
+              <a:t>stdio.h</a:t>
+            </a:r>
+            <a:r>
+              <a:rPr lang="en-US" altLang="zh-CN" sz="2000" b="1" dirty="0">
+                <a:solidFill>
+                  <a:schemeClr val="folHlink"/>
+                </a:solidFill>
+                <a:latin typeface="Courier New" panose="02070309020205020404" pitchFamily="49" charset="0"/>
+              </a:rPr>
+              <a:t>&gt; </a:t>
             </a:r>
           </a:p>
           <a:p>
@@ -5140,7 +5158,7 @@
               <a:buNone/>
             </a:pPr>
             <a:r>
-              <a:rPr lang="en-US" altLang="zh-CN" sz="2000" b="1">
+              <a:rPr lang="en-US" altLang="zh-CN" sz="2000" b="1" dirty="0">
                 <a:solidFill>
                   <a:schemeClr val="folHlink"/>
                 </a:solidFill>
@@ -5158,13 +5176,13 @@
               <a:buNone/>
             </a:pPr>
             <a:r>
-              <a:rPr lang="en-US" altLang="zh-CN" sz="2000" b="1">
-                <a:solidFill>
-                  <a:schemeClr val="folHlink"/>
-                </a:solidFill>
-                <a:latin typeface="Courier New" panose="02070309020205020404" pitchFamily="49" charset="0"/>
-              </a:rPr>
-              <a:t>  long num0, num1, …, num9; </a:t>
+              <a:rPr lang="en-US" altLang="zh-CN" sz="2000" b="1" dirty="0">
+                <a:solidFill>
+                  <a:schemeClr val="folHlink"/>
+                </a:solidFill>
+                <a:latin typeface="Courier New" panose="02070309020205020404" pitchFamily="49" charset="0"/>
+              </a:rPr>
+              <a:t>  long num0=0, num1=0, …, num9=0; </a:t>
             </a:r>
           </a:p>
           <a:p>
@@ -5176,13 +5194,13 @@
               <a:buNone/>
             </a:pPr>
             <a:r>
-              <a:rPr lang="en-US" altLang="zh-CN" sz="2000" b="1">
-                <a:solidFill>
-                  <a:schemeClr val="folHlink"/>
-                </a:solidFill>
-                <a:latin typeface="Courier New" panose="02070309020205020404" pitchFamily="49" charset="0"/>
-              </a:rPr>
-              <a:t>  num0 = num1 = … = num9 = 0; </a:t>
+              <a:rPr lang="en-US" altLang="zh-CN" sz="2000" b="1" dirty="0">
+                <a:solidFill>
+                  <a:schemeClr val="folHlink"/>
+                </a:solidFill>
+                <a:latin typeface="Courier New" panose="02070309020205020404" pitchFamily="49" charset="0"/>
+              </a:rPr>
+              <a:t>  int c;</a:t>
             </a:r>
           </a:p>
           <a:p>
@@ -5193,15 +5211,9 @@
               <a:buFont typeface="Wingdings" panose="05000000000000000000" pitchFamily="2" charset="2"/>
               <a:buNone/>
             </a:pPr>
-            <a:r>
-              <a:rPr lang="en-US" altLang="zh-CN" sz="2000" b="1">
-                <a:solidFill>
-                  <a:schemeClr val="folHlink"/>
-                </a:solidFill>
-                <a:latin typeface="Courier New" panose="02070309020205020404" pitchFamily="49" charset="0"/>
-              </a:rPr>
-              <a:t>  int c;</a:t>
-            </a:r>
+            <a:endParaRPr lang="en-US" altLang="zh-CN" sz="2000" b="1" dirty="0">
+              <a:latin typeface="Courier New" panose="02070309020205020404" pitchFamily="49" charset="0"/>
+            </a:endParaRPr>
           </a:p>
           <a:p>
             <a:pPr>
@@ -5212,19 +5224,37 @@
               <a:buNone/>
             </a:pPr>
             <a:r>
-              <a:rPr lang="en-US" altLang="zh-CN" sz="2000" b="1">
+              <a:rPr lang="en-US" altLang="zh-CN" sz="2000" b="1" dirty="0">
                 <a:latin typeface="Courier New" panose="02070309020205020404" pitchFamily="49" charset="0"/>
               </a:rPr>
               <a:t>  </a:t>
             </a:r>
             <a:r>
-              <a:rPr lang="en-US" altLang="zh-CN" sz="2000" b="1">
+              <a:rPr lang="en-US" altLang="zh-CN" sz="2000" b="1" dirty="0">
                 <a:solidFill>
                   <a:schemeClr val="hlink"/>
                 </a:solidFill>
                 <a:latin typeface="Courier New" panose="02070309020205020404" pitchFamily="49" charset="0"/>
               </a:rPr>
-              <a:t>while((c=getchar()) != EOF){</a:t>
+              <a:t>while((c=</a:t>
+            </a:r>
+            <a:r>
+              <a:rPr lang="en-US" altLang="zh-CN" sz="2000" b="1" dirty="0" err="1">
+                <a:solidFill>
+                  <a:schemeClr val="hlink"/>
+                </a:solidFill>
+                <a:latin typeface="Courier New" panose="02070309020205020404" pitchFamily="49" charset="0"/>
+              </a:rPr>
+              <a:t>getchar</a:t>
+            </a:r>
+            <a:r>
+              <a:rPr lang="en-US" altLang="zh-CN" sz="2000" b="1" dirty="0">
+                <a:solidFill>
+                  <a:schemeClr val="hlink"/>
+                </a:solidFill>
+                <a:latin typeface="Courier New" panose="02070309020205020404" pitchFamily="49" charset="0"/>
+              </a:rPr>
+              <a:t>()) != EOF){</a:t>
             </a:r>
           </a:p>
           <a:p>
@@ -5236,7 +5266,7 @@
               <a:buNone/>
             </a:pPr>
             <a:r>
-              <a:rPr lang="en-US" altLang="zh-CN" sz="2000" b="1">
+              <a:rPr lang="en-US" altLang="zh-CN" sz="2000" b="1" dirty="0">
                 <a:solidFill>
                   <a:schemeClr val="hlink"/>
                 </a:solidFill>
@@ -5254,7 +5284,7 @@
               <a:buNone/>
             </a:pPr>
             <a:r>
-              <a:rPr lang="en-US" altLang="zh-CN" sz="2000" b="1">
+              <a:rPr lang="en-US" altLang="zh-CN" sz="2000" b="1" dirty="0">
                 <a:solidFill>
                   <a:schemeClr val="hlink"/>
                 </a:solidFill>
@@ -5272,7 +5302,7 @@
               <a:buNone/>
             </a:pPr>
             <a:r>
-              <a:rPr lang="en-US" altLang="zh-CN" sz="2000" b="1">
+              <a:rPr lang="en-US" altLang="zh-CN" sz="2000" b="1" dirty="0">
                 <a:solidFill>
                   <a:schemeClr val="hlink"/>
                 </a:solidFill>
@@ -5290,7 +5320,7 @@
               <a:buNone/>
             </a:pPr>
             <a:r>
-              <a:rPr lang="en-US" altLang="zh-CN" sz="2000" b="1">
+              <a:rPr lang="en-US" altLang="zh-CN" sz="2000" b="1" dirty="0">
                 <a:solidFill>
                   <a:schemeClr val="hlink"/>
                 </a:solidFill>
@@ -5308,7 +5338,7 @@
               <a:buNone/>
             </a:pPr>
             <a:r>
-              <a:rPr lang="en-US" altLang="zh-CN" sz="2000" b="1">
+              <a:rPr lang="en-US" altLang="zh-CN" sz="2000" b="1" dirty="0">
                 <a:solidFill>
                   <a:schemeClr val="hlink"/>
                 </a:solidFill>
@@ -5326,7 +5356,7 @@
               <a:buNone/>
             </a:pPr>
             <a:r>
-              <a:rPr lang="en-US" altLang="zh-CN" sz="2000" b="1">
+              <a:rPr lang="en-US" altLang="zh-CN" sz="2000" b="1" dirty="0">
                 <a:solidFill>
                   <a:schemeClr val="hlink"/>
                 </a:solidFill>
@@ -5344,13 +5374,31 @@
               <a:buNone/>
             </a:pPr>
             <a:r>
-              <a:rPr lang="en-US" altLang="zh-CN" sz="2000" b="1">
-                <a:solidFill>
-                  <a:schemeClr val="folHlink"/>
-                </a:solidFill>
-                <a:latin typeface="Courier New" panose="02070309020205020404" pitchFamily="49" charset="0"/>
-              </a:rPr>
-              <a:t>  printf (…); </a:t>
+              <a:rPr lang="en-US" altLang="zh-CN" sz="2000" b="1" dirty="0">
+                <a:solidFill>
+                  <a:schemeClr val="folHlink"/>
+                </a:solidFill>
+                <a:latin typeface="Courier New" panose="02070309020205020404" pitchFamily="49" charset="0"/>
+              </a:rPr>
+              <a:t>  </a:t>
+            </a:r>
+            <a:r>
+              <a:rPr lang="en-US" altLang="zh-CN" sz="2000" b="1" dirty="0" err="1">
+                <a:solidFill>
+                  <a:schemeClr val="folHlink"/>
+                </a:solidFill>
+                <a:latin typeface="Courier New" panose="02070309020205020404" pitchFamily="49" charset="0"/>
+              </a:rPr>
+              <a:t>printf</a:t>
+            </a:r>
+            <a:r>
+              <a:rPr lang="en-US" altLang="zh-CN" sz="2000" b="1" dirty="0">
+                <a:solidFill>
+                  <a:schemeClr val="folHlink"/>
+                </a:solidFill>
+                <a:latin typeface="Courier New" panose="02070309020205020404" pitchFamily="49" charset="0"/>
+              </a:rPr>
+              <a:t>(…); </a:t>
             </a:r>
           </a:p>
           <a:p>
@@ -5362,7 +5410,7 @@
               <a:buNone/>
             </a:pPr>
             <a:r>
-              <a:rPr lang="en-US" altLang="zh-CN" sz="2000" b="1">
+              <a:rPr lang="en-US" altLang="zh-CN" sz="2000" b="1" dirty="0">
                 <a:solidFill>
                   <a:schemeClr val="folHlink"/>
                 </a:solidFill>
@@ -5380,7 +5428,7 @@
               <a:buNone/>
             </a:pPr>
             <a:r>
-              <a:rPr lang="en-US" altLang="zh-CN" sz="2000" b="1">
+              <a:rPr lang="en-US" altLang="zh-CN" sz="2000" b="1" dirty="0">
                 <a:solidFill>
                   <a:schemeClr val="folHlink"/>
                 </a:solidFill>
@@ -5389,12 +5437,12 @@
               <a:t>}</a:t>
             </a:r>
             <a:r>
-              <a:rPr lang="en-US" altLang="zh-CN" sz="2000" b="1">
+              <a:rPr lang="en-US" altLang="zh-CN" sz="2000" b="1" dirty="0">
                 <a:latin typeface="Courier New" panose="02070309020205020404" pitchFamily="49" charset="0"/>
               </a:rPr>
               <a:t> </a:t>
             </a:r>
-            <a:endParaRPr lang="en-US" altLang="zh-CN" sz="2000"/>
+            <a:endParaRPr lang="en-US" altLang="zh-CN" sz="2000" dirty="0"/>
           </a:p>
         </p:txBody>
       </p:sp>
@@ -5480,13 +5528,31 @@
               <a:buNone/>
             </a:pPr>
             <a:r>
-              <a:rPr lang="en-US" altLang="zh-CN" sz="2000" b="1">
-                <a:solidFill>
-                  <a:schemeClr val="folHlink"/>
-                </a:solidFill>
-                <a:latin typeface="Courier New" panose="02070309020205020404" pitchFamily="49" charset="0"/>
-              </a:rPr>
-              <a:t>#include &lt;stdio.h&gt; </a:t>
+              <a:rPr lang="en-US" altLang="zh-CN" sz="2000" b="1" dirty="0">
+                <a:solidFill>
+                  <a:schemeClr val="folHlink"/>
+                </a:solidFill>
+                <a:latin typeface="Courier New" panose="02070309020205020404" pitchFamily="49" charset="0"/>
+              </a:rPr>
+              <a:t>#include &lt;</a:t>
+            </a:r>
+            <a:r>
+              <a:rPr lang="en-US" altLang="zh-CN" sz="2000" b="1" dirty="0" err="1">
+                <a:solidFill>
+                  <a:schemeClr val="folHlink"/>
+                </a:solidFill>
+                <a:latin typeface="Courier New" panose="02070309020205020404" pitchFamily="49" charset="0"/>
+              </a:rPr>
+              <a:t>stdio.h</a:t>
+            </a:r>
+            <a:r>
+              <a:rPr lang="en-US" altLang="zh-CN" sz="2000" b="1" dirty="0">
+                <a:solidFill>
+                  <a:schemeClr val="folHlink"/>
+                </a:solidFill>
+                <a:latin typeface="Courier New" panose="02070309020205020404" pitchFamily="49" charset="0"/>
+              </a:rPr>
+              <a:t>&gt; </a:t>
             </a:r>
           </a:p>
           <a:p>
@@ -5497,7 +5563,7 @@
               <a:buFont typeface="Wingdings" panose="05000000000000000000" pitchFamily="2" charset="2"/>
               <a:buNone/>
             </a:pPr>
-            <a:endParaRPr lang="en-US" altLang="zh-CN" sz="2000" b="1">
+            <a:endParaRPr lang="en-US" altLang="zh-CN" sz="2000" b="1" dirty="0">
               <a:solidFill>
                 <a:schemeClr val="folHlink"/>
               </a:solidFill>
@@ -5513,7 +5579,7 @@
               <a:buNone/>
             </a:pPr>
             <a:r>
-              <a:rPr lang="en-US" altLang="zh-CN" sz="2000" b="1">
+              <a:rPr lang="en-US" altLang="zh-CN" sz="2000" b="1" dirty="0">
                 <a:solidFill>
                   <a:schemeClr val="folHlink"/>
                 </a:solidFill>
@@ -5531,13 +5597,13 @@
               <a:buNone/>
             </a:pPr>
             <a:r>
-              <a:rPr lang="en-US" altLang="zh-CN" sz="2000" b="1">
+              <a:rPr lang="en-US" altLang="zh-CN" sz="2000" b="1" dirty="0">
                 <a:latin typeface="Courier New" panose="02070309020205020404" pitchFamily="49" charset="0"/>
               </a:rPr>
               <a:t>  </a:t>
             </a:r>
             <a:r>
-              <a:rPr lang="en-US" altLang="zh-CN" sz="2000" b="1">
+              <a:rPr lang="en-US" altLang="zh-CN" sz="2000" b="1" dirty="0">
                 <a:solidFill>
                   <a:schemeClr val="hlink"/>
                 </a:solidFill>
@@ -5545,7 +5611,7 @@
               </a:rPr>
               <a:t>long num[10];</a:t>
             </a:r>
-            <a:endParaRPr lang="en-US" altLang="zh-CN" sz="2000" b="1">
+            <a:endParaRPr lang="en-US" altLang="zh-CN" sz="2000" b="1" dirty="0">
               <a:latin typeface="Courier New" panose="02070309020205020404" pitchFamily="49" charset="0"/>
             </a:endParaRPr>
           </a:p>
@@ -5558,19 +5624,37 @@
               <a:buNone/>
             </a:pPr>
             <a:r>
-              <a:rPr lang="en-US" altLang="zh-CN" sz="2000" b="1">
+              <a:rPr lang="en-US" altLang="zh-CN" sz="2000" b="1" dirty="0">
                 <a:latin typeface="Courier New" panose="02070309020205020404" pitchFamily="49" charset="0"/>
               </a:rPr>
               <a:t>  </a:t>
             </a:r>
             <a:r>
-              <a:rPr lang="en-US" altLang="zh-CN" sz="2000" b="1">
-                <a:solidFill>
-                  <a:schemeClr val="folHlink"/>
-                </a:solidFill>
-                <a:latin typeface="Courier New" panose="02070309020205020404" pitchFamily="49" charset="0"/>
-              </a:rPr>
-              <a:t>int c, i;</a:t>
+              <a:rPr lang="en-US" altLang="zh-CN" sz="2000" b="1" dirty="0">
+                <a:solidFill>
+                  <a:schemeClr val="folHlink"/>
+                </a:solidFill>
+                <a:latin typeface="Courier New" panose="02070309020205020404" pitchFamily="49" charset="0"/>
+              </a:rPr>
+              <a:t>int c, </a:t>
+            </a:r>
+            <a:r>
+              <a:rPr lang="en-US" altLang="zh-CN" sz="2000" b="1" dirty="0" err="1">
+                <a:solidFill>
+                  <a:schemeClr val="folHlink"/>
+                </a:solidFill>
+                <a:latin typeface="Courier New" panose="02070309020205020404" pitchFamily="49" charset="0"/>
+              </a:rPr>
+              <a:t>i</a:t>
+            </a:r>
+            <a:r>
+              <a:rPr lang="en-US" altLang="zh-CN" sz="2000" b="1" dirty="0">
+                <a:solidFill>
+                  <a:schemeClr val="folHlink"/>
+                </a:solidFill>
+                <a:latin typeface="Courier New" panose="02070309020205020404" pitchFamily="49" charset="0"/>
+              </a:rPr>
+              <a:t>;</a:t>
             </a:r>
           </a:p>
           <a:p>
@@ -5581,7 +5665,7 @@
               <a:buFont typeface="Wingdings" panose="05000000000000000000" pitchFamily="2" charset="2"/>
               <a:buNone/>
             </a:pPr>
-            <a:endParaRPr lang="en-US" altLang="zh-CN" sz="2000" b="1">
+            <a:endParaRPr lang="en-US" altLang="zh-CN" sz="2000" b="1" dirty="0">
               <a:solidFill>
                 <a:schemeClr val="folHlink"/>
               </a:solidFill>
@@ -5597,13 +5681,67 @@
               <a:buNone/>
             </a:pPr>
             <a:r>
-              <a:rPr lang="en-US" altLang="zh-CN" sz="2000" b="1">
-                <a:solidFill>
-                  <a:schemeClr val="folHlink"/>
-                </a:solidFill>
-                <a:latin typeface="Courier New" panose="02070309020205020404" pitchFamily="49" charset="0"/>
-              </a:rPr>
-              <a:t>  for (i=0; i&lt;10; i++)</a:t>
+              <a:rPr lang="en-US" altLang="zh-CN" sz="2000" b="1" dirty="0">
+                <a:solidFill>
+                  <a:schemeClr val="folHlink"/>
+                </a:solidFill>
+                <a:latin typeface="Courier New" panose="02070309020205020404" pitchFamily="49" charset="0"/>
+              </a:rPr>
+              <a:t>  for (</a:t>
+            </a:r>
+            <a:r>
+              <a:rPr lang="en-US" altLang="zh-CN" sz="2000" b="1" dirty="0" err="1">
+                <a:solidFill>
+                  <a:schemeClr val="folHlink"/>
+                </a:solidFill>
+                <a:latin typeface="Courier New" panose="02070309020205020404" pitchFamily="49" charset="0"/>
+              </a:rPr>
+              <a:t>i</a:t>
+            </a:r>
+            <a:r>
+              <a:rPr lang="en-US" altLang="zh-CN" sz="2000" b="1" dirty="0">
+                <a:solidFill>
+                  <a:schemeClr val="folHlink"/>
+                </a:solidFill>
+                <a:latin typeface="Courier New" panose="02070309020205020404" pitchFamily="49" charset="0"/>
+              </a:rPr>
+              <a:t>=0; </a:t>
+            </a:r>
+            <a:r>
+              <a:rPr lang="en-US" altLang="zh-CN" sz="2000" b="1" dirty="0" err="1">
+                <a:solidFill>
+                  <a:schemeClr val="folHlink"/>
+                </a:solidFill>
+                <a:latin typeface="Courier New" panose="02070309020205020404" pitchFamily="49" charset="0"/>
+              </a:rPr>
+              <a:t>i</a:t>
+            </a:r>
+            <a:r>
+              <a:rPr lang="en-US" altLang="zh-CN" sz="2000" b="1" dirty="0">
+                <a:solidFill>
+                  <a:schemeClr val="folHlink"/>
+                </a:solidFill>
+                <a:latin typeface="Courier New" panose="02070309020205020404" pitchFamily="49" charset="0"/>
+              </a:rPr>
+              <a:t>&lt;10; </a:t>
+            </a:r>
+            <a:r>
+              <a:rPr lang="en-US" altLang="zh-CN" sz="2000" b="1" dirty="0" err="1">
+                <a:solidFill>
+                  <a:schemeClr val="folHlink"/>
+                </a:solidFill>
+                <a:latin typeface="Courier New" panose="02070309020205020404" pitchFamily="49" charset="0"/>
+              </a:rPr>
+              <a:t>i</a:t>
+            </a:r>
+            <a:r>
+              <a:rPr lang="en-US" altLang="zh-CN" sz="2000" b="1" dirty="0">
+                <a:solidFill>
+                  <a:schemeClr val="folHlink"/>
+                </a:solidFill>
+                <a:latin typeface="Courier New" panose="02070309020205020404" pitchFamily="49" charset="0"/>
+              </a:rPr>
+              <a:t>++)</a:t>
             </a:r>
           </a:p>
           <a:p>
@@ -5615,13 +5753,31 @@
               <a:buNone/>
             </a:pPr>
             <a:r>
-              <a:rPr lang="en-US" altLang="zh-CN" sz="2000" b="1">
-                <a:solidFill>
-                  <a:schemeClr val="folHlink"/>
-                </a:solidFill>
-                <a:latin typeface="Courier New" panose="02070309020205020404" pitchFamily="49" charset="0"/>
-              </a:rPr>
-              <a:t>    num[i] = 0;</a:t>
+              <a:rPr lang="en-US" altLang="zh-CN" sz="2000" b="1" dirty="0">
+                <a:solidFill>
+                  <a:schemeClr val="folHlink"/>
+                </a:solidFill>
+                <a:latin typeface="Courier New" panose="02070309020205020404" pitchFamily="49" charset="0"/>
+              </a:rPr>
+              <a:t>    num[</a:t>
+            </a:r>
+            <a:r>
+              <a:rPr lang="en-US" altLang="zh-CN" sz="2000" b="1" dirty="0" err="1">
+                <a:solidFill>
+                  <a:schemeClr val="folHlink"/>
+                </a:solidFill>
+                <a:latin typeface="Courier New" panose="02070309020205020404" pitchFamily="49" charset="0"/>
+              </a:rPr>
+              <a:t>i</a:t>
+            </a:r>
+            <a:r>
+              <a:rPr lang="en-US" altLang="zh-CN" sz="2000" b="1" dirty="0">
+                <a:solidFill>
+                  <a:schemeClr val="folHlink"/>
+                </a:solidFill>
+                <a:latin typeface="Courier New" panose="02070309020205020404" pitchFamily="49" charset="0"/>
+              </a:rPr>
+              <a:t>] = 0;</a:t>
             </a:r>
           </a:p>
           <a:p>
@@ -5633,13 +5789,13 @@
               <a:buNone/>
             </a:pPr>
             <a:r>
-              <a:rPr lang="en-US" altLang="zh-CN" sz="2000" b="1">
+              <a:rPr lang="en-US" altLang="zh-CN" sz="2000" b="1" dirty="0">
                 <a:latin typeface="Courier New" panose="02070309020205020404" pitchFamily="49" charset="0"/>
               </a:rPr>
               <a:t>  </a:t>
             </a:r>
             <a:r>
-              <a:rPr lang="en-US" altLang="zh-CN" sz="2000" b="1">
+              <a:rPr lang="en-US" altLang="zh-CN" sz="2000" b="1" dirty="0">
                 <a:solidFill>
                   <a:schemeClr val="hlink"/>
                 </a:solidFill>
@@ -5648,19 +5804,37 @@
               <a:t>while</a:t>
             </a:r>
             <a:r>
-              <a:rPr lang="en-US" altLang="zh-CN" sz="2000" b="1">
+              <a:rPr lang="en-US" altLang="zh-CN" sz="2000" b="1" dirty="0">
                 <a:latin typeface="Courier New" panose="02070309020205020404" pitchFamily="49" charset="0"/>
               </a:rPr>
               <a:t> </a:t>
             </a:r>
             <a:r>
-              <a:rPr lang="en-US" altLang="zh-CN" sz="2000" b="1">
+              <a:rPr lang="en-US" altLang="zh-CN" sz="2000" b="1" dirty="0">
                 <a:solidFill>
                   <a:schemeClr val="hlink"/>
                 </a:solidFill>
                 <a:latin typeface="Courier New" panose="02070309020205020404" pitchFamily="49" charset="0"/>
               </a:rPr>
-              <a:t>((c=getchar()) != EOF)</a:t>
+              <a:t>((c=</a:t>
+            </a:r>
+            <a:r>
+              <a:rPr lang="en-US" altLang="zh-CN" sz="2000" b="1" dirty="0" err="1">
+                <a:solidFill>
+                  <a:schemeClr val="hlink"/>
+                </a:solidFill>
+                <a:latin typeface="Courier New" panose="02070309020205020404" pitchFamily="49" charset="0"/>
+              </a:rPr>
+              <a:t>getchar</a:t>
+            </a:r>
+            <a:r>
+              <a:rPr lang="en-US" altLang="zh-CN" sz="2000" b="1" dirty="0">
+                <a:solidFill>
+                  <a:schemeClr val="hlink"/>
+                </a:solidFill>
+                <a:latin typeface="Courier New" panose="02070309020205020404" pitchFamily="49" charset="0"/>
+              </a:rPr>
+              <a:t>()) != EOF)</a:t>
             </a:r>
           </a:p>
           <a:p>
@@ -5672,13 +5846,13 @@
               <a:buNone/>
             </a:pPr>
             <a:r>
-              <a:rPr lang="en-US" altLang="zh-CN" sz="2000" b="1">
+              <a:rPr lang="en-US" altLang="zh-CN" sz="2000" b="1" dirty="0">
                 <a:latin typeface="Courier New" panose="02070309020205020404" pitchFamily="49" charset="0"/>
               </a:rPr>
               <a:t>    </a:t>
             </a:r>
             <a:r>
-              <a:rPr lang="en-US" altLang="zh-CN" sz="2000" b="1">
+              <a:rPr lang="en-US" altLang="zh-CN" sz="2000" b="1" dirty="0">
                 <a:solidFill>
                   <a:schemeClr val="hlink"/>
                 </a:solidFill>
@@ -5696,20 +5870,56 @@
               <a:buNone/>
             </a:pPr>
             <a:r>
-              <a:rPr lang="en-US" altLang="zh-CN" sz="2000" b="1">
+              <a:rPr lang="en-US" altLang="zh-CN" sz="2000" b="1" dirty="0">
                 <a:solidFill>
                   <a:schemeClr val="hlink"/>
                 </a:solidFill>
                 <a:latin typeface="Courier New" panose="02070309020205020404" pitchFamily="49" charset="0"/>
               </a:rPr>
-              <a:t>      num[c-’0’]++;</a:t>
-            </a:r>
-            <a:r>
-              <a:rPr lang="en-US" altLang="zh-CN" sz="2000" b="1">
+              <a:t>      num[c</a:t>
+            </a:r>
+            <a:r>
+              <a:rPr lang="zh-CN" altLang="en-US" sz="2000" b="1" dirty="0">
+                <a:solidFill>
+                  <a:schemeClr val="hlink"/>
+                </a:solidFill>
                 <a:latin typeface="Courier New" panose="02070309020205020404" pitchFamily="49" charset="0"/>
               </a:rPr>
               <a:t> </a:t>
             </a:r>
+            <a:r>
+              <a:rPr lang="en-US" altLang="zh-CN" sz="2000" b="1" dirty="0">
+                <a:solidFill>
+                  <a:schemeClr val="hlink"/>
+                </a:solidFill>
+                <a:latin typeface="Courier New" panose="02070309020205020404" pitchFamily="49" charset="0"/>
+              </a:rPr>
+              <a:t>-</a:t>
+            </a:r>
+            <a:r>
+              <a:rPr lang="zh-CN" altLang="en-US" sz="2000" b="1" dirty="0">
+                <a:solidFill>
+                  <a:schemeClr val="hlink"/>
+                </a:solidFill>
+                <a:latin typeface="Courier New" panose="02070309020205020404" pitchFamily="49" charset="0"/>
+              </a:rPr>
+              <a:t> </a:t>
+            </a:r>
+            <a:r>
+              <a:rPr lang="en-US" altLang="zh-CN" sz="2000" b="1" dirty="0">
+                <a:solidFill>
+                  <a:schemeClr val="hlink"/>
+                </a:solidFill>
+                <a:latin typeface="Courier New" panose="02070309020205020404" pitchFamily="49" charset="0"/>
+              </a:rPr>
+              <a:t>‘0’]++;</a:t>
+            </a:r>
+            <a:r>
+              <a:rPr lang="en-US" altLang="zh-CN" sz="2000" b="1" dirty="0">
+                <a:latin typeface="Courier New" panose="02070309020205020404" pitchFamily="49" charset="0"/>
+              </a:rPr>
+              <a:t> </a:t>
+            </a:r>
           </a:p>
           <a:p>
             <a:pPr>
@@ -5720,12 +5930,12 @@
               <a:buNone/>
             </a:pPr>
             <a:r>
-              <a:rPr lang="en-US" altLang="zh-CN" sz="2000" b="1">
+              <a:rPr lang="en-US" altLang="zh-CN" sz="2000" b="1" dirty="0">
                 <a:latin typeface="Courier New" panose="02070309020205020404" pitchFamily="49" charset="0"/>
               </a:rPr>
               <a:t>  </a:t>
             </a:r>
-            <a:endParaRPr lang="en-US" altLang="zh-CN" sz="2000" b="1">
+            <a:endParaRPr lang="en-US" altLang="zh-CN" sz="2000" b="1" dirty="0">
               <a:solidFill>
                 <a:schemeClr val="hlink"/>
               </a:solidFill>
@@ -5741,13 +5951,13 @@
               <a:buNone/>
             </a:pPr>
             <a:r>
-              <a:rPr lang="en-US" altLang="zh-CN" sz="2000" b="1">
+              <a:rPr lang="en-US" altLang="zh-CN" sz="2000" b="1" dirty="0">
                 <a:latin typeface="Courier New" panose="02070309020205020404" pitchFamily="49" charset="0"/>
               </a:rPr>
               <a:t>  </a:t>
             </a:r>
             <a:r>
-              <a:rPr lang="en-US" altLang="zh-CN" sz="2000" b="1">
+              <a:rPr lang="en-US" altLang="zh-CN" sz="2000" b="1" dirty="0">
                 <a:solidFill>
                   <a:schemeClr val="folHlink"/>
                 </a:solidFill>
@@ -5765,7 +5975,7 @@
               <a:buNone/>
             </a:pPr>
             <a:r>
-              <a:rPr lang="en-US" altLang="zh-CN" sz="2000" b="1">
+              <a:rPr lang="en-US" altLang="zh-CN" sz="2000" b="1" dirty="0">
                 <a:solidFill>
                   <a:schemeClr val="folHlink"/>
                 </a:solidFill>
@@ -5773,7 +5983,7 @@
               </a:rPr>
               <a:t>} </a:t>
             </a:r>
-            <a:endParaRPr lang="en-US" altLang="zh-CN" sz="2000">
+            <a:endParaRPr lang="en-US" altLang="zh-CN" sz="2000" dirty="0">
               <a:solidFill>
                 <a:schemeClr val="folHlink"/>
               </a:solidFill>
@@ -5969,13 +6179,31 @@
               <a:buNone/>
             </a:pPr>
             <a:r>
-              <a:rPr lang="en-US" altLang="zh-CN" sz="2000" b="1">
-                <a:solidFill>
-                  <a:schemeClr val="folHlink"/>
-                </a:solidFill>
-                <a:latin typeface="Courier New" panose="02070309020205020404" pitchFamily="49" charset="0"/>
-              </a:rPr>
-              <a:t>#include &lt;stdio.h&gt; </a:t>
+              <a:rPr lang="en-US" altLang="zh-CN" sz="2000" b="1" dirty="0">
+                <a:solidFill>
+                  <a:schemeClr val="folHlink"/>
+                </a:solidFill>
+                <a:latin typeface="Courier New" panose="02070309020205020404" pitchFamily="49" charset="0"/>
+              </a:rPr>
+              <a:t>#include &lt;</a:t>
+            </a:r>
+            <a:r>
+              <a:rPr lang="en-US" altLang="zh-CN" sz="2000" b="1" dirty="0" err="1">
+                <a:solidFill>
+                  <a:schemeClr val="folHlink"/>
+                </a:solidFill>
+                <a:latin typeface="Courier New" panose="02070309020205020404" pitchFamily="49" charset="0"/>
+              </a:rPr>
+              <a:t>stdio.h</a:t>
+            </a:r>
+            <a:r>
+              <a:rPr lang="en-US" altLang="zh-CN" sz="2000" b="1" dirty="0">
+                <a:solidFill>
+                  <a:schemeClr val="folHlink"/>
+                </a:solidFill>
+                <a:latin typeface="Courier New" panose="02070309020205020404" pitchFamily="49" charset="0"/>
+              </a:rPr>
+              <a:t>&gt; </a:t>
             </a:r>
           </a:p>
           <a:p>
@@ -5986,7 +6214,7 @@
               <a:buFont typeface="Wingdings" panose="05000000000000000000" pitchFamily="2" charset="2"/>
               <a:buNone/>
             </a:pPr>
-            <a:endParaRPr lang="en-US" altLang="zh-CN" sz="2000" b="1">
+            <a:endParaRPr lang="en-US" altLang="zh-CN" sz="2000" b="1" dirty="0">
               <a:solidFill>
                 <a:schemeClr val="folHlink"/>
               </a:solidFill>
@@ -6002,13 +6230,13 @@
               <a:buNone/>
             </a:pPr>
             <a:r>
-              <a:rPr lang="en-US" altLang="zh-CN" sz="2000" b="1">
-                <a:solidFill>
-                  <a:schemeClr val="folHlink"/>
-                </a:solidFill>
-                <a:latin typeface="Courier New" panose="02070309020205020404" pitchFamily="49" charset="0"/>
-              </a:rPr>
-              <a:t>void foo (long[] a){</a:t>
+              <a:rPr lang="en-US" altLang="zh-CN" sz="2000" b="1" dirty="0">
+                <a:solidFill>
+                  <a:schemeClr val="folHlink"/>
+                </a:solidFill>
+                <a:latin typeface="Courier New" panose="02070309020205020404" pitchFamily="49" charset="0"/>
+              </a:rPr>
+              <a:t>void foo(long[] a){</a:t>
             </a:r>
           </a:p>
           <a:p>
@@ -6020,7 +6248,7 @@
               <a:buNone/>
             </a:pPr>
             <a:r>
-              <a:rPr lang="en-US" altLang="zh-CN" sz="2000" b="1">
+              <a:rPr lang="en-US" altLang="zh-CN" sz="2000" b="1" dirty="0">
                 <a:solidFill>
                   <a:schemeClr val="folHlink"/>
                 </a:solidFill>
@@ -6038,7 +6266,7 @@
               <a:buNone/>
             </a:pPr>
             <a:r>
-              <a:rPr lang="en-US" altLang="zh-CN" sz="2000" b="1">
+              <a:rPr lang="en-US" altLang="zh-CN" sz="2000" b="1" dirty="0">
                 <a:solidFill>
                   <a:schemeClr val="folHlink"/>
                 </a:solidFill>
@@ -6056,7 +6284,7 @@
               <a:buNone/>
             </a:pPr>
             <a:r>
-              <a:rPr lang="en-US" altLang="zh-CN" sz="2000" b="1">
+              <a:rPr lang="en-US" altLang="zh-CN" sz="2000" b="1" dirty="0">
                 <a:solidFill>
                   <a:schemeClr val="folHlink"/>
                 </a:solidFill>
@@ -6073,7 +6301,7 @@
               <a:buFont typeface="Wingdings" panose="05000000000000000000" pitchFamily="2" charset="2"/>
               <a:buNone/>
             </a:pPr>
-            <a:endParaRPr lang="en-US" altLang="zh-CN" sz="2000" b="1">
+            <a:endParaRPr lang="en-US" altLang="zh-CN" sz="2000" b="1" dirty="0">
               <a:solidFill>
                 <a:schemeClr val="folHlink"/>
               </a:solidFill>
@@ -6089,7 +6317,7 @@
               <a:buNone/>
             </a:pPr>
             <a:r>
-              <a:rPr lang="en-US" altLang="zh-CN" sz="2000" b="1">
+              <a:rPr lang="en-US" altLang="zh-CN" sz="2000" b="1" dirty="0">
                 <a:solidFill>
                   <a:schemeClr val="folHlink"/>
                 </a:solidFill>
@@ -6107,7 +6335,7 @@
               <a:buNone/>
             </a:pPr>
             <a:r>
-              <a:rPr lang="en-US" altLang="zh-CN" sz="2000" b="1">
+              <a:rPr lang="en-US" altLang="zh-CN" sz="2000" b="1" dirty="0">
                 <a:solidFill>
                   <a:schemeClr val="folHlink"/>
                 </a:solidFill>
@@ -6116,7 +6344,7 @@
               <a:t>  </a:t>
             </a:r>
             <a:r>
-              <a:rPr lang="en-US" altLang="zh-CN" sz="2000" b="1">
+              <a:rPr lang="en-US" altLang="zh-CN" sz="2000" b="1" dirty="0">
                 <a:solidFill>
                   <a:schemeClr val="hlink"/>
                 </a:solidFill>
@@ -6125,7 +6353,7 @@
               <a:t>long num[5];</a:t>
             </a:r>
             <a:r>
-              <a:rPr lang="en-US" altLang="zh-CN" sz="2000" b="1">
+              <a:rPr lang="en-US" altLang="zh-CN" sz="2000" b="1" dirty="0">
                 <a:solidFill>
                   <a:schemeClr val="folHlink"/>
                 </a:solidFill>
@@ -6143,7 +6371,7 @@
               <a:buNone/>
             </a:pPr>
             <a:r>
-              <a:rPr lang="en-US" altLang="zh-CN" sz="2000" b="1">
+              <a:rPr lang="en-US" altLang="zh-CN" sz="2000" b="1" dirty="0">
                 <a:solidFill>
                   <a:schemeClr val="folHlink"/>
                 </a:solidFill>
@@ -6161,13 +6389,13 @@
               <a:buNone/>
             </a:pPr>
             <a:r>
-              <a:rPr lang="en-US" altLang="zh-CN" sz="2000" b="1">
-                <a:solidFill>
-                  <a:schemeClr val="folHlink"/>
-                </a:solidFill>
-                <a:latin typeface="Courier New" panose="02070309020205020404" pitchFamily="49" charset="0"/>
-              </a:rPr>
-              <a:t>  foo (num);</a:t>
+              <a:rPr lang="en-US" altLang="zh-CN" sz="2000" b="1" dirty="0">
+                <a:solidFill>
+                  <a:schemeClr val="folHlink"/>
+                </a:solidFill>
+                <a:latin typeface="Courier New" panose="02070309020205020404" pitchFamily="49" charset="0"/>
+              </a:rPr>
+              <a:t>  foo(num);</a:t>
             </a:r>
           </a:p>
           <a:p>
@@ -6179,13 +6407,49 @@
               <a:buNone/>
             </a:pPr>
             <a:r>
-              <a:rPr lang="en-US" altLang="zh-CN" sz="2000" b="1">
-                <a:solidFill>
-                  <a:schemeClr val="folHlink"/>
-                </a:solidFill>
-                <a:latin typeface="Courier New" panose="02070309020205020404" pitchFamily="49" charset="0"/>
-              </a:rPr>
-              <a:t>  printf (“%ld\n”, num[0]);</a:t>
+              <a:rPr lang="en-US" altLang="zh-CN" sz="2000" b="1" dirty="0">
+                <a:solidFill>
+                  <a:schemeClr val="folHlink"/>
+                </a:solidFill>
+                <a:latin typeface="Courier New" panose="02070309020205020404" pitchFamily="49" charset="0"/>
+              </a:rPr>
+              <a:t>  </a:t>
+            </a:r>
+            <a:r>
+              <a:rPr lang="en-US" altLang="zh-CN" sz="2000" b="1" dirty="0" err="1">
+                <a:solidFill>
+                  <a:schemeClr val="folHlink"/>
+                </a:solidFill>
+                <a:latin typeface="Courier New" panose="02070309020205020404" pitchFamily="49" charset="0"/>
+              </a:rPr>
+              <a:t>printf</a:t>
+            </a:r>
+            <a:r>
+              <a:rPr lang="en-US" altLang="zh-CN" sz="2000" b="1" dirty="0">
+                <a:solidFill>
+                  <a:schemeClr val="folHlink"/>
+                </a:solidFill>
+                <a:latin typeface="Courier New" panose="02070309020205020404" pitchFamily="49" charset="0"/>
+              </a:rPr>
+              <a:t>(“%</a:t>
+            </a:r>
+            <a:r>
+              <a:rPr lang="en-US" altLang="zh-CN" sz="2000" b="1" dirty="0" err="1">
+                <a:solidFill>
+                  <a:schemeClr val="folHlink"/>
+                </a:solidFill>
+                <a:latin typeface="Courier New" panose="02070309020205020404" pitchFamily="49" charset="0"/>
+              </a:rPr>
+              <a:t>ld</a:t>
+            </a:r>
+            <a:r>
+              <a:rPr lang="en-US" altLang="zh-CN" sz="2000" b="1" dirty="0">
+                <a:solidFill>
+                  <a:schemeClr val="folHlink"/>
+                </a:solidFill>
+                <a:latin typeface="Courier New" panose="02070309020205020404" pitchFamily="49" charset="0"/>
+              </a:rPr>
+              <a:t>\n”, num[0]);</a:t>
             </a:r>
           </a:p>
           <a:p>
@@ -6197,7 +6461,7 @@
               <a:buNone/>
             </a:pPr>
             <a:r>
-              <a:rPr lang="en-US" altLang="zh-CN" sz="2000" b="1">
+              <a:rPr lang="en-US" altLang="zh-CN" sz="2000" b="1" dirty="0">
                 <a:solidFill>
                   <a:schemeClr val="folHlink"/>
                 </a:solidFill>
@@ -6215,7 +6479,7 @@
               <a:buNone/>
             </a:pPr>
             <a:r>
-              <a:rPr lang="en-US" altLang="zh-CN" sz="2000" b="1">
+              <a:rPr lang="en-US" altLang="zh-CN" sz="2000" b="1" dirty="0">
                 <a:solidFill>
                   <a:schemeClr val="folHlink"/>
                 </a:solidFill>
@@ -6223,7 +6487,7 @@
               </a:rPr>
               <a:t>} </a:t>
             </a:r>
-            <a:endParaRPr lang="en-US" altLang="zh-CN" sz="2000">
+            <a:endParaRPr lang="en-US" altLang="zh-CN" sz="2000" dirty="0">
               <a:solidFill>
                 <a:schemeClr val="folHlink"/>
               </a:solidFill>
@@ -6607,13 +6871,31 @@
               <a:buNone/>
             </a:pPr>
             <a:r>
-              <a:rPr lang="en-US" altLang="zh-CN" sz="2000" b="1">
-                <a:solidFill>
-                  <a:schemeClr val="folHlink"/>
-                </a:solidFill>
-                <a:latin typeface="Courier New" panose="02070309020205020404" pitchFamily="49" charset="0"/>
-              </a:rPr>
-              <a:t>#include &lt;stdio.h&gt; </a:t>
+              <a:rPr lang="en-US" altLang="zh-CN" sz="2000" b="1" dirty="0">
+                <a:solidFill>
+                  <a:schemeClr val="folHlink"/>
+                </a:solidFill>
+                <a:latin typeface="Courier New" panose="02070309020205020404" pitchFamily="49" charset="0"/>
+              </a:rPr>
+              <a:t>#include &lt;</a:t>
+            </a:r>
+            <a:r>
+              <a:rPr lang="en-US" altLang="zh-CN" sz="2000" b="1" dirty="0" err="1">
+                <a:solidFill>
+                  <a:schemeClr val="folHlink"/>
+                </a:solidFill>
+                <a:latin typeface="Courier New" panose="02070309020205020404" pitchFamily="49" charset="0"/>
+              </a:rPr>
+              <a:t>stdio.h</a:t>
+            </a:r>
+            <a:r>
+              <a:rPr lang="en-US" altLang="zh-CN" sz="2000" b="1" dirty="0">
+                <a:solidFill>
+                  <a:schemeClr val="folHlink"/>
+                </a:solidFill>
+                <a:latin typeface="Courier New" panose="02070309020205020404" pitchFamily="49" charset="0"/>
+              </a:rPr>
+              <a:t>&gt; </a:t>
             </a:r>
           </a:p>
           <a:p>
@@ -6624,7 +6906,7 @@
               <a:buFont typeface="Wingdings" panose="05000000000000000000" pitchFamily="2" charset="2"/>
               <a:buNone/>
             </a:pPr>
-            <a:endParaRPr lang="en-US" altLang="zh-CN" sz="2000" b="1">
+            <a:endParaRPr lang="en-US" altLang="zh-CN" sz="2000" b="1" dirty="0">
               <a:solidFill>
                 <a:schemeClr val="folHlink"/>
               </a:solidFill>
@@ -6640,13 +6922,13 @@
               <a:buNone/>
             </a:pPr>
             <a:r>
-              <a:rPr lang="en-US" altLang="zh-CN" sz="2000" b="1">
-                <a:solidFill>
-                  <a:schemeClr val="folHlink"/>
-                </a:solidFill>
-                <a:latin typeface="Courier New" panose="02070309020205020404" pitchFamily="49" charset="0"/>
-              </a:rPr>
-              <a:t>void foo (long a[]){</a:t>
+              <a:rPr lang="en-US" altLang="zh-CN" sz="2000" b="1" dirty="0">
+                <a:solidFill>
+                  <a:schemeClr val="folHlink"/>
+                </a:solidFill>
+                <a:latin typeface="Courier New" panose="02070309020205020404" pitchFamily="49" charset="0"/>
+              </a:rPr>
+              <a:t>void foo(long a[]){</a:t>
             </a:r>
           </a:p>
           <a:p>
@@ -6658,7 +6940,7 @@
               <a:buNone/>
             </a:pPr>
             <a:r>
-              <a:rPr lang="en-US" altLang="zh-CN" sz="2000" b="1">
+              <a:rPr lang="en-US" altLang="zh-CN" sz="2000" b="1" dirty="0">
                 <a:solidFill>
                   <a:schemeClr val="folHlink"/>
                 </a:solidFill>
@@ -6676,7 +6958,7 @@
               <a:buNone/>
             </a:pPr>
             <a:r>
-              <a:rPr lang="en-US" altLang="zh-CN" sz="2000" b="1">
+              <a:rPr lang="en-US" altLang="zh-CN" sz="2000" b="1" dirty="0">
                 <a:solidFill>
                   <a:schemeClr val="folHlink"/>
                 </a:solidFill>
@@ -6694,7 +6976,7 @@
               <a:buNone/>
             </a:pPr>
             <a:r>
-              <a:rPr lang="en-US" altLang="zh-CN" sz="2000" b="1">
+              <a:rPr lang="en-US" altLang="zh-CN" sz="2000" b="1" dirty="0">
                 <a:solidFill>
                   <a:schemeClr val="folHlink"/>
                 </a:solidFill>
@@ -6711,7 +6993,7 @@
               <a:buFont typeface="Wingdings" panose="05000000000000000000" pitchFamily="2" charset="2"/>
               <a:buNone/>
             </a:pPr>
-            <a:endParaRPr lang="en-US" altLang="zh-CN" sz="2000" b="1">
+            <a:endParaRPr lang="en-US" altLang="zh-CN" sz="2000" b="1" dirty="0">
               <a:solidFill>
                 <a:schemeClr val="folHlink"/>
               </a:solidFill>
@@ -6727,7 +7009,7 @@
               <a:buNone/>
             </a:pPr>
             <a:r>
-              <a:rPr lang="en-US" altLang="zh-CN" sz="2000" b="1">
+              <a:rPr lang="en-US" altLang="zh-CN" sz="2000" b="1" dirty="0">
                 <a:solidFill>
                   <a:schemeClr val="folHlink"/>
                 </a:solidFill>
@@ -6745,13 +7027,13 @@
               <a:buNone/>
             </a:pPr>
             <a:r>
-              <a:rPr lang="en-US" altLang="zh-CN" sz="2000" b="1">
+              <a:rPr lang="en-US" altLang="zh-CN" sz="2000" b="1" dirty="0">
                 <a:latin typeface="Courier New" panose="02070309020205020404" pitchFamily="49" charset="0"/>
               </a:rPr>
               <a:t>  </a:t>
             </a:r>
             <a:r>
-              <a:rPr lang="en-US" altLang="zh-CN" sz="2000" b="1">
+              <a:rPr lang="en-US" altLang="zh-CN" sz="2000" b="1" dirty="0">
                 <a:solidFill>
                   <a:schemeClr val="hlink"/>
                 </a:solidFill>
@@ -6760,7 +7042,7 @@
               <a:t>long num[5];</a:t>
             </a:r>
             <a:r>
-              <a:rPr lang="en-US" altLang="zh-CN" sz="2000" b="1">
+              <a:rPr lang="en-US" altLang="zh-CN" sz="2000" b="1" dirty="0">
                 <a:latin typeface="Courier New" panose="02070309020205020404" pitchFamily="49" charset="0"/>
               </a:rPr>
               <a:t> </a:t>
@@ -6775,7 +7057,7 @@
               <a:buNone/>
             </a:pPr>
             <a:r>
-              <a:rPr lang="en-US" altLang="zh-CN" sz="2000" b="1">
+              <a:rPr lang="en-US" altLang="zh-CN" sz="2000" b="1" dirty="0">
                 <a:solidFill>
                   <a:schemeClr val="hlink"/>
                 </a:solidFill>
@@ -6793,19 +7075,19 @@
               <a:buNone/>
             </a:pPr>
             <a:r>
-              <a:rPr lang="en-US" altLang="zh-CN" sz="2000" b="1">
+              <a:rPr lang="en-US" altLang="zh-CN" sz="2000" b="1" dirty="0">
                 <a:latin typeface="Courier New" panose="02070309020205020404" pitchFamily="49" charset="0"/>
               </a:rPr>
               <a:t>  </a:t>
             </a:r>
             <a:r>
-              <a:rPr lang="en-US" altLang="zh-CN" sz="2000" b="1">
-                <a:solidFill>
-                  <a:schemeClr val="folHlink"/>
-                </a:solidFill>
-                <a:latin typeface="Courier New" panose="02070309020205020404" pitchFamily="49" charset="0"/>
-              </a:rPr>
-              <a:t>foo (num);</a:t>
+              <a:rPr lang="en-US" altLang="zh-CN" sz="2000" b="1" dirty="0">
+                <a:solidFill>
+                  <a:schemeClr val="folHlink"/>
+                </a:solidFill>
+                <a:latin typeface="Courier New" panose="02070309020205020404" pitchFamily="49" charset="0"/>
+              </a:rPr>
+              <a:t>foo(num);</a:t>
             </a:r>
           </a:p>
           <a:p>
@@ -6817,13 +7099,49 @@
               <a:buNone/>
             </a:pPr>
             <a:r>
-              <a:rPr lang="en-US" altLang="zh-CN" sz="2000" b="1">
-                <a:solidFill>
-                  <a:schemeClr val="folHlink"/>
-                </a:solidFill>
-                <a:latin typeface="Courier New" panose="02070309020205020404" pitchFamily="49" charset="0"/>
-              </a:rPr>
-              <a:t>  printf (“%ld\n”, num[0]);</a:t>
+              <a:rPr lang="en-US" altLang="zh-CN" sz="2000" b="1" dirty="0">
+                <a:solidFill>
+                  <a:schemeClr val="folHlink"/>
+                </a:solidFill>
+                <a:latin typeface="Courier New" panose="02070309020205020404" pitchFamily="49" charset="0"/>
+              </a:rPr>
+              <a:t>  </a:t>
+            </a:r>
+            <a:r>
+              <a:rPr lang="en-US" altLang="zh-CN" sz="2000" b="1" dirty="0" err="1">
+                <a:solidFill>
+                  <a:schemeClr val="folHlink"/>
+                </a:solidFill>
+                <a:latin typeface="Courier New" panose="02070309020205020404" pitchFamily="49" charset="0"/>
+              </a:rPr>
+              <a:t>printf</a:t>
+            </a:r>
+            <a:r>
+              <a:rPr lang="en-US" altLang="zh-CN" sz="2000" b="1" dirty="0">
+                <a:solidFill>
+                  <a:schemeClr val="folHlink"/>
+                </a:solidFill>
+                <a:latin typeface="Courier New" panose="02070309020205020404" pitchFamily="49" charset="0"/>
+              </a:rPr>
+              <a:t> (“%</a:t>
+            </a:r>
+            <a:r>
+              <a:rPr lang="en-US" altLang="zh-CN" sz="2000" b="1" dirty="0" err="1">
+                <a:solidFill>
+                  <a:schemeClr val="folHlink"/>
+                </a:solidFill>
+                <a:latin typeface="Courier New" panose="02070309020205020404" pitchFamily="49" charset="0"/>
+              </a:rPr>
+              <a:t>ld</a:t>
+            </a:r>
+            <a:r>
+              <a:rPr lang="en-US" altLang="zh-CN" sz="2000" b="1" dirty="0">
+                <a:solidFill>
+                  <a:schemeClr val="folHlink"/>
+                </a:solidFill>
+                <a:latin typeface="Courier New" panose="02070309020205020404" pitchFamily="49" charset="0"/>
+              </a:rPr>
+              <a:t>\n”, num[0]);</a:t>
             </a:r>
           </a:p>
           <a:p>
@@ -6835,7 +7153,7 @@
               <a:buNone/>
             </a:pPr>
             <a:r>
-              <a:rPr lang="en-US" altLang="zh-CN" sz="2000" b="1">
+              <a:rPr lang="en-US" altLang="zh-CN" sz="2000" b="1" dirty="0">
                 <a:solidFill>
                   <a:schemeClr val="folHlink"/>
                 </a:solidFill>
@@ -6853,7 +7171,7 @@
               <a:buNone/>
             </a:pPr>
             <a:r>
-              <a:rPr lang="en-US" altLang="zh-CN" sz="2000" b="1">
+              <a:rPr lang="en-US" altLang="zh-CN" sz="2000" b="1" dirty="0">
                 <a:solidFill>
                   <a:schemeClr val="folHlink"/>
                 </a:solidFill>
@@ -6861,7 +7179,7 @@
               </a:rPr>
               <a:t>} </a:t>
             </a:r>
-            <a:endParaRPr lang="en-US" altLang="zh-CN" sz="2000">
+            <a:endParaRPr lang="en-US" altLang="zh-CN" sz="2000" dirty="0">
               <a:solidFill>
                 <a:schemeClr val="folHlink"/>
               </a:solidFill>
@@ -7245,13 +7563,31 @@
               <a:buNone/>
             </a:pPr>
             <a:r>
-              <a:rPr lang="en-US" altLang="zh-CN" sz="2000" b="1">
-                <a:solidFill>
-                  <a:schemeClr val="folHlink"/>
-                </a:solidFill>
-                <a:latin typeface="Courier New" panose="02070309020205020404" pitchFamily="49" charset="0"/>
-              </a:rPr>
-              <a:t>#include &lt;stdio.h&gt; </a:t>
+              <a:rPr lang="en-US" altLang="zh-CN" sz="2000" b="1" dirty="0">
+                <a:solidFill>
+                  <a:schemeClr val="folHlink"/>
+                </a:solidFill>
+                <a:latin typeface="Courier New" panose="02070309020205020404" pitchFamily="49" charset="0"/>
+              </a:rPr>
+              <a:t>#include &lt;</a:t>
+            </a:r>
+            <a:r>
+              <a:rPr lang="en-US" altLang="zh-CN" sz="2000" b="1" dirty="0" err="1">
+                <a:solidFill>
+                  <a:schemeClr val="folHlink"/>
+                </a:solidFill>
+                <a:latin typeface="Courier New" panose="02070309020205020404" pitchFamily="49" charset="0"/>
+              </a:rPr>
+              <a:t>stdio.h</a:t>
+            </a:r>
+            <a:r>
+              <a:rPr lang="en-US" altLang="zh-CN" sz="2000" b="1" dirty="0">
+                <a:solidFill>
+                  <a:schemeClr val="folHlink"/>
+                </a:solidFill>
+                <a:latin typeface="Courier New" panose="02070309020205020404" pitchFamily="49" charset="0"/>
+              </a:rPr>
+              <a:t>&gt; </a:t>
             </a:r>
           </a:p>
           <a:p>
@@ -7262,7 +7598,7 @@
               <a:buFont typeface="Wingdings" panose="05000000000000000000" pitchFamily="2" charset="2"/>
               <a:buNone/>
             </a:pPr>
-            <a:endParaRPr lang="en-US" altLang="zh-CN" sz="2000" b="1">
+            <a:endParaRPr lang="en-US" altLang="zh-CN" sz="2000" b="1" dirty="0">
               <a:solidFill>
                 <a:schemeClr val="folHlink"/>
               </a:solidFill>
@@ -7278,16 +7614,16 @@
               <a:buNone/>
             </a:pPr>
             <a:r>
-              <a:rPr lang="en-US" altLang="zh-CN" sz="2000" b="1">
-                <a:solidFill>
-                  <a:schemeClr val="folHlink"/>
-                </a:solidFill>
-                <a:latin typeface="Courier New" panose="02070309020205020404" pitchFamily="49" charset="0"/>
-              </a:rPr>
-              <a:t>void foo (</a:t>
-            </a:r>
-            <a:r>
-              <a:rPr lang="en-US" altLang="zh-CN" sz="2000" b="1">
+              <a:rPr lang="en-US" altLang="zh-CN" sz="2000" b="1" dirty="0">
+                <a:solidFill>
+                  <a:schemeClr val="folHlink"/>
+                </a:solidFill>
+                <a:latin typeface="Courier New" panose="02070309020205020404" pitchFamily="49" charset="0"/>
+              </a:rPr>
+              <a:t>void foo(</a:t>
+            </a:r>
+            <a:r>
+              <a:rPr lang="en-US" altLang="zh-CN" sz="2000" b="1" dirty="0">
                 <a:solidFill>
                   <a:schemeClr val="hlink"/>
                 </a:solidFill>
@@ -7296,7 +7632,7 @@
               <a:t>long a[]</a:t>
             </a:r>
             <a:r>
-              <a:rPr lang="en-US" altLang="zh-CN" sz="2000" b="1">
+              <a:rPr lang="en-US" altLang="zh-CN" sz="2000" b="1" dirty="0">
                 <a:solidFill>
                   <a:schemeClr val="folHlink"/>
                 </a:solidFill>
@@ -7314,7 +7650,7 @@
               <a:buNone/>
             </a:pPr>
             <a:r>
-              <a:rPr lang="en-US" altLang="zh-CN" sz="2000" b="1">
+              <a:rPr lang="en-US" altLang="zh-CN" sz="2000" b="1" dirty="0">
                 <a:solidFill>
                   <a:schemeClr val="folHlink"/>
                 </a:solidFill>
@@ -7332,7 +7668,7 @@
               <a:buNone/>
             </a:pPr>
             <a:r>
-              <a:rPr lang="en-US" altLang="zh-CN" sz="2000" b="1">
+              <a:rPr lang="en-US" altLang="zh-CN" sz="2000" b="1" dirty="0">
                 <a:solidFill>
                   <a:schemeClr val="folHlink"/>
                 </a:solidFill>
@@ -7350,7 +7686,7 @@
               <a:buNone/>
             </a:pPr>
             <a:r>
-              <a:rPr lang="en-US" altLang="zh-CN" sz="2000" b="1">
+              <a:rPr lang="en-US" altLang="zh-CN" sz="2000" b="1" dirty="0">
                 <a:solidFill>
                   <a:schemeClr val="folHlink"/>
                 </a:solidFill>
@@ -7367,7 +7703,7 @@
               <a:buFont typeface="Wingdings" panose="05000000000000000000" pitchFamily="2" charset="2"/>
               <a:buNone/>
             </a:pPr>
-            <a:endParaRPr lang="en-US" altLang="zh-CN" sz="2000" b="1">
+            <a:endParaRPr lang="en-US" altLang="zh-CN" sz="2000" b="1" dirty="0">
               <a:solidFill>
                 <a:schemeClr val="folHlink"/>
               </a:solidFill>
@@ -7383,7 +7719,7 @@
               <a:buNone/>
             </a:pPr>
             <a:r>
-              <a:rPr lang="en-US" altLang="zh-CN" sz="2000" b="1">
+              <a:rPr lang="en-US" altLang="zh-CN" sz="2000" b="1" dirty="0">
                 <a:solidFill>
                   <a:schemeClr val="folHlink"/>
                 </a:solidFill>
@@ -7401,13 +7737,13 @@
               <a:buNone/>
             </a:pPr>
             <a:r>
-              <a:rPr lang="en-US" altLang="zh-CN" sz="2000" b="1">
+              <a:rPr lang="en-US" altLang="zh-CN" sz="2000" b="1" dirty="0">
                 <a:latin typeface="Courier New" panose="02070309020205020404" pitchFamily="49" charset="0"/>
               </a:rPr>
               <a:t>  </a:t>
             </a:r>
             <a:r>
-              <a:rPr lang="en-US" altLang="zh-CN" sz="2000" b="1">
+              <a:rPr lang="en-US" altLang="zh-CN" sz="2000" b="1" dirty="0">
                 <a:solidFill>
                   <a:schemeClr val="hlink"/>
                 </a:solidFill>
@@ -7416,7 +7752,7 @@
               <a:t>long num[5];</a:t>
             </a:r>
             <a:r>
-              <a:rPr lang="en-US" altLang="zh-CN" sz="2000" b="1">
+              <a:rPr lang="en-US" altLang="zh-CN" sz="2000" b="1" dirty="0">
                 <a:latin typeface="Courier New" panose="02070309020205020404" pitchFamily="49" charset="0"/>
               </a:rPr>
               <a:t> </a:t>
@@ -7431,7 +7767,7 @@
               <a:buNone/>
             </a:pPr>
             <a:r>
-              <a:rPr lang="en-US" altLang="zh-CN" sz="2000" b="1">
+              <a:rPr lang="en-US" altLang="zh-CN" sz="2000" b="1" dirty="0">
                 <a:solidFill>
                   <a:schemeClr val="hlink"/>
                 </a:solidFill>
@@ -7449,19 +7785,19 @@
               <a:buNone/>
             </a:pPr>
             <a:r>
-              <a:rPr lang="en-US" altLang="zh-CN" sz="2000" b="1">
+              <a:rPr lang="en-US" altLang="zh-CN" sz="2000" b="1" dirty="0">
                 <a:latin typeface="Courier New" panose="02070309020205020404" pitchFamily="49" charset="0"/>
               </a:rPr>
               <a:t>  </a:t>
             </a:r>
             <a:r>
-              <a:rPr lang="en-US" altLang="zh-CN" sz="2000" b="1">
+              <a:rPr lang="en-US" altLang="zh-CN" sz="2000" b="1" dirty="0">
                 <a:solidFill>
                   <a:schemeClr val="hlink"/>
                 </a:solidFill>
                 <a:latin typeface="Courier New" panose="02070309020205020404" pitchFamily="49" charset="0"/>
               </a:rPr>
-              <a:t>foo (num);</a:t>
+              <a:t>foo(num);</a:t>
             </a:r>
           </a:p>
           <a:p>
@@ -7473,19 +7809,46 @@
               <a:buNone/>
             </a:pPr>
             <a:r>
-              <a:rPr lang="en-US" altLang="zh-CN" sz="2000" b="1">
+              <a:rPr lang="en-US" altLang="zh-CN" sz="2000" b="1" dirty="0">
                 <a:latin typeface="Courier New" panose="02070309020205020404" pitchFamily="49" charset="0"/>
               </a:rPr>
               <a:t>  </a:t>
             </a:r>
             <a:r>
-              <a:rPr lang="en-US" altLang="zh-CN" sz="2000" b="1">
-                <a:solidFill>
-                  <a:schemeClr val="folHlink"/>
-                </a:solidFill>
-                <a:latin typeface="Courier New" panose="02070309020205020404" pitchFamily="49" charset="0"/>
-              </a:rPr>
-              <a:t>printf (“%ld\n”, num[0]);</a:t>
+              <a:rPr lang="en-US" altLang="zh-CN" sz="2000" b="1" dirty="0" err="1">
+                <a:solidFill>
+                  <a:schemeClr val="folHlink"/>
+                </a:solidFill>
+                <a:latin typeface="Courier New" panose="02070309020205020404" pitchFamily="49" charset="0"/>
+              </a:rPr>
+              <a:t>printf</a:t>
+            </a:r>
+            <a:r>
+              <a:rPr lang="en-US" altLang="zh-CN" sz="2000" b="1" dirty="0">
+                <a:solidFill>
+                  <a:schemeClr val="folHlink"/>
+                </a:solidFill>
+                <a:latin typeface="Courier New" panose="02070309020205020404" pitchFamily="49" charset="0"/>
+              </a:rPr>
+              <a:t>(“%</a:t>
+            </a:r>
+            <a:r>
+              <a:rPr lang="en-US" altLang="zh-CN" sz="2000" b="1" dirty="0" err="1">
+                <a:solidFill>
+                  <a:schemeClr val="folHlink"/>
+                </a:solidFill>
+                <a:latin typeface="Courier New" panose="02070309020205020404" pitchFamily="49" charset="0"/>
+              </a:rPr>
+              <a:t>ld</a:t>
+            </a:r>
+            <a:r>
+              <a:rPr lang="en-US" altLang="zh-CN" sz="2000" b="1" dirty="0">
+                <a:solidFill>
+                  <a:schemeClr val="folHlink"/>
+                </a:solidFill>
+                <a:latin typeface="Courier New" panose="02070309020205020404" pitchFamily="49" charset="0"/>
+              </a:rPr>
+              <a:t>\n”, num[0]);</a:t>
             </a:r>
           </a:p>
           <a:p>
@@ -7497,7 +7860,7 @@
               <a:buNone/>
             </a:pPr>
             <a:r>
-              <a:rPr lang="en-US" altLang="zh-CN" sz="2000" b="1">
+              <a:rPr lang="en-US" altLang="zh-CN" sz="2000" b="1" dirty="0">
                 <a:solidFill>
                   <a:schemeClr val="folHlink"/>
                 </a:solidFill>
@@ -7515,7 +7878,7 @@
               <a:buNone/>
             </a:pPr>
             <a:r>
-              <a:rPr lang="en-US" altLang="zh-CN" sz="2000" b="1">
+              <a:rPr lang="en-US" altLang="zh-CN" sz="2000" b="1" dirty="0">
                 <a:solidFill>
                   <a:schemeClr val="folHlink"/>
                 </a:solidFill>
@@ -7524,12 +7887,12 @@
               <a:t>}</a:t>
             </a:r>
             <a:r>
-              <a:rPr lang="en-US" altLang="zh-CN" sz="2000" b="1">
+              <a:rPr lang="en-US" altLang="zh-CN" sz="2000" b="1" dirty="0">
                 <a:latin typeface="Courier New" panose="02070309020205020404" pitchFamily="49" charset="0"/>
               </a:rPr>
               <a:t> </a:t>
             </a:r>
-            <a:endParaRPr lang="en-US" altLang="zh-CN" sz="2000"/>
+            <a:endParaRPr lang="en-US" altLang="zh-CN" sz="2000" dirty="0"/>
           </a:p>
         </p:txBody>
       </p:sp>
@@ -8002,13 +8365,31 @@
               <a:buNone/>
             </a:pPr>
             <a:r>
-              <a:rPr lang="en-US" altLang="zh-CN" sz="2000" b="1">
-                <a:solidFill>
-                  <a:schemeClr val="folHlink"/>
-                </a:solidFill>
-                <a:latin typeface="Courier New" panose="02070309020205020404" pitchFamily="49" charset="0"/>
-              </a:rPr>
-              <a:t>#include &lt;stdio.h&gt; </a:t>
+              <a:rPr lang="en-US" altLang="zh-CN" sz="2000" b="1" dirty="0">
+                <a:solidFill>
+                  <a:schemeClr val="folHlink"/>
+                </a:solidFill>
+                <a:latin typeface="Courier New" panose="02070309020205020404" pitchFamily="49" charset="0"/>
+              </a:rPr>
+              <a:t>#include &lt;</a:t>
+            </a:r>
+            <a:r>
+              <a:rPr lang="en-US" altLang="zh-CN" sz="2000" b="1" dirty="0" err="1">
+                <a:solidFill>
+                  <a:schemeClr val="folHlink"/>
+                </a:solidFill>
+                <a:latin typeface="Courier New" panose="02070309020205020404" pitchFamily="49" charset="0"/>
+              </a:rPr>
+              <a:t>stdio.h</a:t>
+            </a:r>
+            <a:r>
+              <a:rPr lang="en-US" altLang="zh-CN" sz="2000" b="1" dirty="0">
+                <a:solidFill>
+                  <a:schemeClr val="folHlink"/>
+                </a:solidFill>
+                <a:latin typeface="Courier New" panose="02070309020205020404" pitchFamily="49" charset="0"/>
+              </a:rPr>
+              <a:t>&gt; </a:t>
             </a:r>
           </a:p>
           <a:p>
@@ -8019,7 +8400,7 @@
               <a:buFont typeface="Wingdings" panose="05000000000000000000" pitchFamily="2" charset="2"/>
               <a:buNone/>
             </a:pPr>
-            <a:endParaRPr lang="en-US" altLang="zh-CN" sz="2000" b="1">
+            <a:endParaRPr lang="en-US" altLang="zh-CN" sz="2000" b="1" dirty="0">
               <a:solidFill>
                 <a:schemeClr val="folHlink"/>
               </a:solidFill>
@@ -8035,7 +8416,7 @@
               <a:buNone/>
             </a:pPr>
             <a:r>
-              <a:rPr lang="en-US" altLang="zh-CN" sz="2000" b="1">
+              <a:rPr lang="en-US" altLang="zh-CN" sz="2000" b="1" dirty="0">
                 <a:solidFill>
                   <a:schemeClr val="folHlink"/>
                 </a:solidFill>
@@ -8044,55 +8425,61 @@
               <a:t>void</a:t>
             </a:r>
             <a:r>
-              <a:rPr lang="en-US" altLang="zh-CN" sz="2000" b="1">
+              <a:rPr lang="en-US" altLang="zh-CN" sz="2000" b="1" dirty="0">
                 <a:latin typeface="Courier New" panose="02070309020205020404" pitchFamily="49" charset="0"/>
               </a:rPr>
               <a:t> </a:t>
             </a:r>
             <a:r>
-              <a:rPr lang="en-US" altLang="zh-CN" sz="2000" b="1">
-                <a:solidFill>
-                  <a:schemeClr val="folHlink"/>
-                </a:solidFill>
-                <a:latin typeface="Courier New" panose="02070309020205020404" pitchFamily="49" charset="0"/>
-              </a:rPr>
-              <a:t>foo</a:t>
-            </a:r>
-            <a:r>
-              <a:rPr lang="en-US" altLang="zh-CN" sz="2000" b="1">
+              <a:rPr lang="en-US" altLang="zh-CN" sz="2000" b="1" dirty="0">
+                <a:solidFill>
+                  <a:schemeClr val="folHlink"/>
+                </a:solidFill>
+                <a:latin typeface="Courier New" panose="02070309020205020404" pitchFamily="49" charset="0"/>
+              </a:rPr>
+              <a:t>foo(</a:t>
+            </a:r>
+            <a:r>
+              <a:rPr lang="en-US" altLang="zh-CN" sz="2000" b="1" dirty="0">
                 <a:solidFill>
                   <a:schemeClr val="hlink"/>
                 </a:solidFill>
                 <a:latin typeface="Courier New" panose="02070309020205020404" pitchFamily="49" charset="0"/>
               </a:rPr>
-              <a:t> </a:t>
-            </a:r>
-            <a:r>
-              <a:rPr lang="en-US" altLang="zh-CN" sz="2000" b="1">
-                <a:solidFill>
-                  <a:schemeClr val="folHlink"/>
-                </a:solidFill>
-                <a:latin typeface="Courier New" panose="02070309020205020404" pitchFamily="49" charset="0"/>
-              </a:rPr>
-              <a:t>(</a:t>
-            </a:r>
-            <a:r>
-              <a:rPr lang="en-US" altLang="zh-CN" sz="2000" b="1">
+              <a:t>long a[]</a:t>
+            </a:r>
+            <a:r>
+              <a:rPr lang="en-US" altLang="zh-CN" sz="2000" b="1" dirty="0">
+                <a:solidFill>
+                  <a:schemeClr val="folHlink"/>
+                </a:solidFill>
+                <a:latin typeface="Courier New" panose="02070309020205020404" pitchFamily="49" charset="0"/>
+              </a:rPr>
+              <a:t>){</a:t>
+            </a:r>
+          </a:p>
+          <a:p>
+            <a:pPr>
+              <a:lnSpc>
+                <a:spcPct val="80000"/>
+              </a:lnSpc>
+              <a:buFont typeface="Wingdings" panose="05000000000000000000" pitchFamily="2" charset="2"/>
+              <a:buNone/>
+            </a:pPr>
+            <a:r>
+              <a:rPr lang="en-US" altLang="zh-CN" sz="2000" b="1" dirty="0">
+                <a:latin typeface="Courier New" panose="02070309020205020404" pitchFamily="49" charset="0"/>
+              </a:rPr>
+              <a:t>  </a:t>
+            </a:r>
+            <a:r>
+              <a:rPr lang="en-US" altLang="zh-CN" sz="2000" b="1" dirty="0">
                 <a:solidFill>
                   <a:schemeClr val="hlink"/>
                 </a:solidFill>
                 <a:latin typeface="Courier New" panose="02070309020205020404" pitchFamily="49" charset="0"/>
               </a:rPr>
-              <a:t>long a[]</a:t>
-            </a:r>
-            <a:r>
-              <a:rPr lang="en-US" altLang="zh-CN" sz="2000" b="1">
-                <a:solidFill>
-                  <a:schemeClr val="folHlink"/>
-                </a:solidFill>
-                <a:latin typeface="Courier New" panose="02070309020205020404" pitchFamily="49" charset="0"/>
-              </a:rPr>
-              <a:t>){</a:t>
+              <a:t>a[0] = 999;</a:t>
             </a:r>
           </a:p>
           <a:p>
@@ -8104,19 +8491,19 @@
               <a:buNone/>
             </a:pPr>
             <a:r>
-              <a:rPr lang="en-US" altLang="zh-CN" sz="2000" b="1">
+              <a:rPr lang="en-US" altLang="zh-CN" sz="2000" b="1" dirty="0">
                 <a:latin typeface="Courier New" panose="02070309020205020404" pitchFamily="49" charset="0"/>
               </a:rPr>
               <a:t>  </a:t>
             </a:r>
             <a:r>
-              <a:rPr lang="en-US" altLang="zh-CN" sz="2000" b="1">
-                <a:solidFill>
-                  <a:schemeClr val="hlink"/>
-                </a:solidFill>
-                <a:latin typeface="Courier New" panose="02070309020205020404" pitchFamily="49" charset="0"/>
-              </a:rPr>
-              <a:t>a[0] = 999;</a:t>
+              <a:rPr lang="en-US" altLang="zh-CN" sz="2000" b="1" dirty="0">
+                <a:solidFill>
+                  <a:schemeClr val="folHlink"/>
+                </a:solidFill>
+                <a:latin typeface="Courier New" panose="02070309020205020404" pitchFamily="49" charset="0"/>
+              </a:rPr>
+              <a:t>return;</a:t>
             </a:r>
           </a:p>
           <a:p>
@@ -8128,19 +8515,13 @@
               <a:buNone/>
             </a:pPr>
             <a:r>
-              <a:rPr lang="en-US" altLang="zh-CN" sz="2000" b="1">
-                <a:latin typeface="Courier New" panose="02070309020205020404" pitchFamily="49" charset="0"/>
-              </a:rPr>
-              <a:t>  </a:t>
-            </a:r>
-            <a:r>
-              <a:rPr lang="en-US" altLang="zh-CN" sz="2000" b="1">
-                <a:solidFill>
-                  <a:schemeClr val="folHlink"/>
-                </a:solidFill>
-                <a:latin typeface="Courier New" panose="02070309020205020404" pitchFamily="49" charset="0"/>
-              </a:rPr>
-              <a:t>return;</a:t>
+              <a:rPr lang="en-US" altLang="zh-CN" sz="2000" b="1" dirty="0">
+                <a:solidFill>
+                  <a:schemeClr val="folHlink"/>
+                </a:solidFill>
+                <a:latin typeface="Courier New" panose="02070309020205020404" pitchFamily="49" charset="0"/>
+              </a:rPr>
+              <a:t>}</a:t>
             </a:r>
           </a:p>
           <a:p>
@@ -8151,25 +8532,7 @@
               <a:buFont typeface="Wingdings" panose="05000000000000000000" pitchFamily="2" charset="2"/>
               <a:buNone/>
             </a:pPr>
-            <a:r>
-              <a:rPr lang="en-US" altLang="zh-CN" sz="2000" b="1">
-                <a:solidFill>
-                  <a:schemeClr val="folHlink"/>
-                </a:solidFill>
-                <a:latin typeface="Courier New" panose="02070309020205020404" pitchFamily="49" charset="0"/>
-              </a:rPr>
-              <a:t>}</a:t>
-            </a:r>
-          </a:p>
-          <a:p>
-            <a:pPr>
-              <a:lnSpc>
-                <a:spcPct val="80000"/>
-              </a:lnSpc>
-              <a:buFont typeface="Wingdings" panose="05000000000000000000" pitchFamily="2" charset="2"/>
-              <a:buNone/>
-            </a:pPr>
-            <a:endParaRPr lang="en-US" altLang="zh-CN" sz="2000" b="1">
+            <a:endParaRPr lang="en-US" altLang="zh-CN" sz="2000" b="1" dirty="0">
               <a:solidFill>
                 <a:schemeClr val="folHlink"/>
               </a:solidFill>
@@ -8185,7 +8548,7 @@
               <a:buNone/>
             </a:pPr>
             <a:r>
-              <a:rPr lang="en-US" altLang="zh-CN" sz="2000" b="1">
+              <a:rPr lang="en-US" altLang="zh-CN" sz="2000" b="1" dirty="0">
                 <a:solidFill>
                   <a:schemeClr val="folHlink"/>
                 </a:solidFill>
@@ -8203,13 +8566,13 @@
               <a:buNone/>
             </a:pPr>
             <a:r>
-              <a:rPr lang="en-US" altLang="zh-CN" sz="2000" b="1">
+              <a:rPr lang="en-US" altLang="zh-CN" sz="2000" b="1" dirty="0">
                 <a:latin typeface="Courier New" panose="02070309020205020404" pitchFamily="49" charset="0"/>
               </a:rPr>
               <a:t>  </a:t>
             </a:r>
             <a:r>
-              <a:rPr lang="en-US" altLang="zh-CN" sz="2000" b="1">
+              <a:rPr lang="en-US" altLang="zh-CN" sz="2000" b="1" dirty="0">
                 <a:solidFill>
                   <a:schemeClr val="hlink"/>
                 </a:solidFill>
@@ -8218,7 +8581,7 @@
               <a:t>long num[5];</a:t>
             </a:r>
             <a:r>
-              <a:rPr lang="en-US" altLang="zh-CN" sz="2000" b="1">
+              <a:rPr lang="en-US" altLang="zh-CN" sz="2000" b="1" dirty="0">
                 <a:latin typeface="Courier New" panose="02070309020205020404" pitchFamily="49" charset="0"/>
               </a:rPr>
               <a:t> </a:t>
@@ -8233,7 +8596,7 @@
               <a:buNone/>
             </a:pPr>
             <a:r>
-              <a:rPr lang="en-US" altLang="zh-CN" sz="2000" b="1">
+              <a:rPr lang="en-US" altLang="zh-CN" sz="2000" b="1" dirty="0">
                 <a:solidFill>
                   <a:schemeClr val="hlink"/>
                 </a:solidFill>
@@ -8251,19 +8614,19 @@
               <a:buNone/>
             </a:pPr>
             <a:r>
-              <a:rPr lang="en-US" altLang="zh-CN" sz="2000" b="1">
+              <a:rPr lang="en-US" altLang="zh-CN" sz="2000" b="1" dirty="0">
                 <a:latin typeface="Courier New" panose="02070309020205020404" pitchFamily="49" charset="0"/>
               </a:rPr>
               <a:t>  </a:t>
             </a:r>
             <a:r>
-              <a:rPr lang="en-US" altLang="zh-CN" sz="2000" b="1">
+              <a:rPr lang="en-US" altLang="zh-CN" sz="2000" b="1" dirty="0">
                 <a:solidFill>
                   <a:schemeClr val="hlink"/>
                 </a:solidFill>
                 <a:latin typeface="Courier New" panose="02070309020205020404" pitchFamily="49" charset="0"/>
               </a:rPr>
-              <a:t>foo (num);</a:t>
+              <a:t>foo(num);</a:t>
             </a:r>
           </a:p>
           <a:p>
@@ -8275,19 +8638,46 @@
               <a:buNone/>
             </a:pPr>
             <a:r>
-              <a:rPr lang="en-US" altLang="zh-CN" sz="2000" b="1">
+              <a:rPr lang="en-US" altLang="zh-CN" sz="2000" b="1" dirty="0">
                 <a:latin typeface="Courier New" panose="02070309020205020404" pitchFamily="49" charset="0"/>
               </a:rPr>
               <a:t>  </a:t>
             </a:r>
             <a:r>
-              <a:rPr lang="en-US" altLang="zh-CN" sz="2000" b="1">
-                <a:solidFill>
-                  <a:schemeClr val="folHlink"/>
-                </a:solidFill>
-                <a:latin typeface="Courier New" panose="02070309020205020404" pitchFamily="49" charset="0"/>
-              </a:rPr>
-              <a:t>printf (“%ld\n”, num[0]);</a:t>
+              <a:rPr lang="en-US" altLang="zh-CN" sz="2000" b="1" dirty="0" err="1">
+                <a:solidFill>
+                  <a:schemeClr val="folHlink"/>
+                </a:solidFill>
+                <a:latin typeface="Courier New" panose="02070309020205020404" pitchFamily="49" charset="0"/>
+              </a:rPr>
+              <a:t>printf</a:t>
+            </a:r>
+            <a:r>
+              <a:rPr lang="en-US" altLang="zh-CN" sz="2000" b="1" dirty="0">
+                <a:solidFill>
+                  <a:schemeClr val="folHlink"/>
+                </a:solidFill>
+                <a:latin typeface="Courier New" panose="02070309020205020404" pitchFamily="49" charset="0"/>
+              </a:rPr>
+              <a:t>(“%</a:t>
+            </a:r>
+            <a:r>
+              <a:rPr lang="en-US" altLang="zh-CN" sz="2000" b="1" dirty="0" err="1">
+                <a:solidFill>
+                  <a:schemeClr val="folHlink"/>
+                </a:solidFill>
+                <a:latin typeface="Courier New" panose="02070309020205020404" pitchFamily="49" charset="0"/>
+              </a:rPr>
+              <a:t>ld</a:t>
+            </a:r>
+            <a:r>
+              <a:rPr lang="en-US" altLang="zh-CN" sz="2000" b="1" dirty="0">
+                <a:solidFill>
+                  <a:schemeClr val="folHlink"/>
+                </a:solidFill>
+                <a:latin typeface="Courier New" panose="02070309020205020404" pitchFamily="49" charset="0"/>
+              </a:rPr>
+              <a:t>\n”, num[0]);</a:t>
             </a:r>
           </a:p>
           <a:p>
@@ -8299,7 +8689,7 @@
               <a:buNone/>
             </a:pPr>
             <a:r>
-              <a:rPr lang="en-US" altLang="zh-CN" sz="2000" b="1">
+              <a:rPr lang="en-US" altLang="zh-CN" sz="2000" b="1" dirty="0">
                 <a:solidFill>
                   <a:schemeClr val="folHlink"/>
                 </a:solidFill>
@@ -8317,7 +8707,7 @@
               <a:buNone/>
             </a:pPr>
             <a:r>
-              <a:rPr lang="en-US" altLang="zh-CN" sz="2000" b="1">
+              <a:rPr lang="en-US" altLang="zh-CN" sz="2000" b="1" dirty="0">
                 <a:solidFill>
                   <a:schemeClr val="folHlink"/>
                 </a:solidFill>
@@ -8326,12 +8716,12 @@
               <a:t>}</a:t>
             </a:r>
             <a:r>
-              <a:rPr lang="en-US" altLang="zh-CN" sz="2000" b="1">
+              <a:rPr lang="en-US" altLang="zh-CN" sz="2000" b="1" dirty="0">
                 <a:latin typeface="Courier New" panose="02070309020205020404" pitchFamily="49" charset="0"/>
               </a:rPr>
               <a:t> </a:t>
             </a:r>
-            <a:endParaRPr lang="en-US" altLang="zh-CN" sz="2000"/>
+            <a:endParaRPr lang="en-US" altLang="zh-CN" sz="2000" dirty="0"/>
           </a:p>
         </p:txBody>
       </p:sp>
@@ -8804,13 +9194,31 @@
               <a:buNone/>
             </a:pPr>
             <a:r>
-              <a:rPr lang="en-US" altLang="zh-CN" sz="2000" b="1">
-                <a:solidFill>
-                  <a:schemeClr val="folHlink"/>
-                </a:solidFill>
-                <a:latin typeface="Courier New" panose="02070309020205020404" pitchFamily="49" charset="0"/>
-              </a:rPr>
-              <a:t>#include &lt;stdio.h&gt; </a:t>
+              <a:rPr lang="en-US" altLang="zh-CN" sz="2000" b="1" dirty="0">
+                <a:solidFill>
+                  <a:schemeClr val="folHlink"/>
+                </a:solidFill>
+                <a:latin typeface="Courier New" panose="02070309020205020404" pitchFamily="49" charset="0"/>
+              </a:rPr>
+              <a:t>#include &lt;</a:t>
+            </a:r>
+            <a:r>
+              <a:rPr lang="en-US" altLang="zh-CN" sz="2000" b="1" dirty="0" err="1">
+                <a:solidFill>
+                  <a:schemeClr val="folHlink"/>
+                </a:solidFill>
+                <a:latin typeface="Courier New" panose="02070309020205020404" pitchFamily="49" charset="0"/>
+              </a:rPr>
+              <a:t>stdio.h</a:t>
+            </a:r>
+            <a:r>
+              <a:rPr lang="en-US" altLang="zh-CN" sz="2000" b="1" dirty="0">
+                <a:solidFill>
+                  <a:schemeClr val="folHlink"/>
+                </a:solidFill>
+                <a:latin typeface="Courier New" panose="02070309020205020404" pitchFamily="49" charset="0"/>
+              </a:rPr>
+              <a:t>&gt; </a:t>
             </a:r>
           </a:p>
           <a:p>
@@ -8821,7 +9229,7 @@
               <a:buFont typeface="Wingdings" panose="05000000000000000000" pitchFamily="2" charset="2"/>
               <a:buNone/>
             </a:pPr>
-            <a:endParaRPr lang="en-US" altLang="zh-CN" sz="2000" b="1">
+            <a:endParaRPr lang="en-US" altLang="zh-CN" sz="2000" b="1" dirty="0">
               <a:solidFill>
                 <a:schemeClr val="folHlink"/>
               </a:solidFill>
@@ -8837,7 +9245,7 @@
               <a:buNone/>
             </a:pPr>
             <a:r>
-              <a:rPr lang="en-US" altLang="zh-CN" sz="2000" b="1">
+              <a:rPr lang="en-US" altLang="zh-CN" sz="2000" b="1" dirty="0">
                 <a:solidFill>
                   <a:schemeClr val="folHlink"/>
                 </a:solidFill>
@@ -8846,37 +9254,19 @@
               <a:t>void</a:t>
             </a:r>
             <a:r>
-              <a:rPr lang="en-US" altLang="zh-CN" sz="2000" b="1">
+              <a:rPr lang="en-US" altLang="zh-CN" sz="2000" b="1" dirty="0">
                 <a:latin typeface="Courier New" panose="02070309020205020404" pitchFamily="49" charset="0"/>
               </a:rPr>
               <a:t> </a:t>
             </a:r>
             <a:r>
-              <a:rPr lang="en-US" altLang="zh-CN" sz="2000" b="1">
-                <a:solidFill>
-                  <a:schemeClr val="folHlink"/>
-                </a:solidFill>
-                <a:latin typeface="Courier New" panose="02070309020205020404" pitchFamily="49" charset="0"/>
-              </a:rPr>
-              <a:t>foo</a:t>
-            </a:r>
-            <a:r>
-              <a:rPr lang="en-US" altLang="zh-CN" sz="2000" b="1">
-                <a:solidFill>
-                  <a:schemeClr val="hlink"/>
-                </a:solidFill>
-                <a:latin typeface="Courier New" panose="02070309020205020404" pitchFamily="49" charset="0"/>
-              </a:rPr>
-              <a:t> </a:t>
-            </a:r>
-            <a:r>
-              <a:rPr lang="en-US" altLang="zh-CN" sz="2000" b="1">
-                <a:solidFill>
-                  <a:schemeClr val="folHlink"/>
-                </a:solidFill>
-                <a:latin typeface="Courier New" panose="02070309020205020404" pitchFamily="49" charset="0"/>
-              </a:rPr>
-              <a:t>(long a[]){</a:t>
+              <a:rPr lang="en-US" altLang="zh-CN" sz="2000" b="1" dirty="0">
+                <a:solidFill>
+                  <a:schemeClr val="folHlink"/>
+                </a:solidFill>
+                <a:latin typeface="Courier New" panose="02070309020205020404" pitchFamily="49" charset="0"/>
+              </a:rPr>
+              <a:t>foo(long a[]){</a:t>
             </a:r>
           </a:p>
           <a:p>
@@ -8888,13 +9278,13 @@
               <a:buNone/>
             </a:pPr>
             <a:r>
-              <a:rPr lang="en-US" altLang="zh-CN" sz="2000" b="1">
+              <a:rPr lang="en-US" altLang="zh-CN" sz="2000" b="1" dirty="0">
                 <a:latin typeface="Courier New" panose="02070309020205020404" pitchFamily="49" charset="0"/>
               </a:rPr>
               <a:t>  </a:t>
             </a:r>
             <a:r>
-              <a:rPr lang="en-US" altLang="zh-CN" sz="2000" b="1">
+              <a:rPr lang="en-US" altLang="zh-CN" sz="2000" b="1" dirty="0">
                 <a:solidFill>
                   <a:schemeClr val="folHlink"/>
                 </a:solidFill>
@@ -8912,13 +9302,13 @@
               <a:buNone/>
             </a:pPr>
             <a:r>
-              <a:rPr lang="en-US" altLang="zh-CN" sz="2000" b="1">
+              <a:rPr lang="en-US" altLang="zh-CN" sz="2000" b="1" dirty="0">
                 <a:latin typeface="Courier New" panose="02070309020205020404" pitchFamily="49" charset="0"/>
               </a:rPr>
               <a:t>  </a:t>
             </a:r>
             <a:r>
-              <a:rPr lang="en-US" altLang="zh-CN" sz="2000" b="1">
+              <a:rPr lang="en-US" altLang="zh-CN" sz="2000" b="1" dirty="0">
                 <a:solidFill>
                   <a:schemeClr val="folHlink"/>
                 </a:solidFill>
@@ -8936,7 +9326,7 @@
               <a:buNone/>
             </a:pPr>
             <a:r>
-              <a:rPr lang="en-US" altLang="zh-CN" sz="2000" b="1">
+              <a:rPr lang="en-US" altLang="zh-CN" sz="2000" b="1" dirty="0">
                 <a:solidFill>
                   <a:schemeClr val="folHlink"/>
                 </a:solidFill>
@@ -8953,7 +9343,7 @@
               <a:buFont typeface="Wingdings" panose="05000000000000000000" pitchFamily="2" charset="2"/>
               <a:buNone/>
             </a:pPr>
-            <a:endParaRPr lang="en-US" altLang="zh-CN" sz="2000" b="1">
+            <a:endParaRPr lang="en-US" altLang="zh-CN" sz="2000" b="1" dirty="0">
               <a:solidFill>
                 <a:schemeClr val="folHlink"/>
               </a:solidFill>
@@ -8969,13 +9359,127 @@
               <a:buNone/>
             </a:pPr>
             <a:r>
+              <a:rPr lang="en-US" altLang="zh-CN" sz="2000" b="1" dirty="0">
+                <a:solidFill>
+                  <a:schemeClr val="folHlink"/>
+                </a:solidFill>
+                <a:latin typeface="Courier New" panose="02070309020205020404" pitchFamily="49" charset="0"/>
+              </a:rPr>
+              <a:t>int main(){</a:t>
+            </a:r>
+          </a:p>
+          <a:p>
+            <a:pPr>
+              <a:lnSpc>
+                <a:spcPct val="80000"/>
+              </a:lnSpc>
+              <a:buFont typeface="Wingdings" panose="05000000000000000000" pitchFamily="2" charset="2"/>
+              <a:buNone/>
+            </a:pPr>
+            <a:r>
+              <a:rPr lang="en-US" altLang="zh-CN" sz="2000" b="1" dirty="0">
+                <a:latin typeface="Courier New" panose="02070309020205020404" pitchFamily="49" charset="0"/>
+              </a:rPr>
+              <a:t>  </a:t>
+            </a:r>
+            <a:r>
+              <a:rPr lang="en-US" altLang="zh-CN" sz="2000" b="1" dirty="0">
+                <a:solidFill>
+                  <a:schemeClr val="hlink"/>
+                </a:solidFill>
+                <a:latin typeface="Courier New" panose="02070309020205020404" pitchFamily="49" charset="0"/>
+              </a:rPr>
+              <a:t>long num[5];</a:t>
+            </a:r>
+            <a:r>
+              <a:rPr lang="en-US" altLang="zh-CN" sz="2000" b="1" dirty="0">
+                <a:latin typeface="Courier New" panose="02070309020205020404" pitchFamily="49" charset="0"/>
+              </a:rPr>
+              <a:t> </a:t>
+            </a:r>
+          </a:p>
+          <a:p>
+            <a:pPr>
+              <a:lnSpc>
+                <a:spcPct val="80000"/>
+              </a:lnSpc>
+              <a:buFont typeface="Wingdings" panose="05000000000000000000" pitchFamily="2" charset="2"/>
+              <a:buNone/>
+            </a:pPr>
+            <a:r>
+              <a:rPr lang="en-US" altLang="zh-CN" sz="2000" b="1" dirty="0">
+                <a:solidFill>
+                  <a:schemeClr val="hlink"/>
+                </a:solidFill>
+                <a:latin typeface="Courier New" panose="02070309020205020404" pitchFamily="49" charset="0"/>
+              </a:rPr>
+              <a:t>  num[0] = 0;</a:t>
+            </a:r>
+          </a:p>
+          <a:p>
+            <a:pPr>
+              <a:lnSpc>
+                <a:spcPct val="80000"/>
+              </a:lnSpc>
+              <a:buFont typeface="Wingdings" panose="05000000000000000000" pitchFamily="2" charset="2"/>
+              <a:buNone/>
+            </a:pPr>
+            <a:r>
+              <a:rPr lang="en-US" altLang="zh-CN" sz="2000" b="1" dirty="0">
+                <a:latin typeface="Courier New" panose="02070309020205020404" pitchFamily="49" charset="0"/>
+              </a:rPr>
+              <a:t>  </a:t>
+            </a:r>
+            <a:r>
+              <a:rPr lang="en-US" altLang="zh-CN" sz="2000" b="1" dirty="0">
+                <a:solidFill>
+                  <a:schemeClr val="hlink"/>
+                </a:solidFill>
+                <a:latin typeface="Courier New" panose="02070309020205020404" pitchFamily="49" charset="0"/>
+              </a:rPr>
+              <a:t>foo(num);</a:t>
+            </a:r>
+          </a:p>
+          <a:p>
+            <a:pPr>
+              <a:lnSpc>
+                <a:spcPct val="80000"/>
+              </a:lnSpc>
+              <a:buFont typeface="Wingdings" panose="05000000000000000000" pitchFamily="2" charset="2"/>
+              <a:buNone/>
+            </a:pPr>
+            <a:r>
               <a:rPr lang="en-US" altLang="zh-CN" sz="2000" b="1">
-                <a:solidFill>
-                  <a:schemeClr val="folHlink"/>
-                </a:solidFill>
-                <a:latin typeface="Courier New" panose="02070309020205020404" pitchFamily="49" charset="0"/>
-              </a:rPr>
-              <a:t>int main(){</a:t>
+                <a:latin typeface="Courier New" panose="02070309020205020404" pitchFamily="49" charset="0"/>
+              </a:rPr>
+              <a:t>  </a:t>
+            </a:r>
+            <a:r>
+              <a:rPr lang="en-US" altLang="zh-CN" sz="2000" b="1">
+                <a:solidFill>
+                  <a:schemeClr val="hlink"/>
+                </a:solidFill>
+                <a:latin typeface="Courier New" panose="02070309020205020404" pitchFamily="49" charset="0"/>
+              </a:rPr>
+              <a:t>printf(“%</a:t>
+            </a:r>
+            <a:r>
+              <a:rPr lang="en-US" altLang="zh-CN" sz="2000" b="1" dirty="0" err="1">
+                <a:solidFill>
+                  <a:schemeClr val="hlink"/>
+                </a:solidFill>
+                <a:latin typeface="Courier New" panose="02070309020205020404" pitchFamily="49" charset="0"/>
+              </a:rPr>
+              <a:t>ld</a:t>
+            </a:r>
+            <a:r>
+              <a:rPr lang="en-US" altLang="zh-CN" sz="2000" b="1" dirty="0">
+                <a:solidFill>
+                  <a:schemeClr val="hlink"/>
+                </a:solidFill>
+                <a:latin typeface="Courier New" panose="02070309020205020404" pitchFamily="49" charset="0"/>
+              </a:rPr>
+              <a:t>\n”, num[0]);</a:t>
             </a:r>
           </a:p>
           <a:p>
@@ -8987,135 +9491,39 @@
               <a:buNone/>
             </a:pPr>
             <a:r>
-              <a:rPr lang="en-US" altLang="zh-CN" sz="2000" b="1">
-                <a:latin typeface="Courier New" panose="02070309020205020404" pitchFamily="49" charset="0"/>
-              </a:rPr>
-              <a:t>  </a:t>
-            </a:r>
-            <a:r>
-              <a:rPr lang="en-US" altLang="zh-CN" sz="2000" b="1">
-                <a:solidFill>
-                  <a:schemeClr val="hlink"/>
-                </a:solidFill>
-                <a:latin typeface="Courier New" panose="02070309020205020404" pitchFamily="49" charset="0"/>
-              </a:rPr>
-              <a:t>long num[5];</a:t>
-            </a:r>
-            <a:r>
-              <a:rPr lang="en-US" altLang="zh-CN" sz="2000" b="1">
+              <a:rPr lang="en-US" altLang="zh-CN" sz="2000" b="1" dirty="0">
+                <a:solidFill>
+                  <a:schemeClr val="folHlink"/>
+                </a:solidFill>
+                <a:latin typeface="Courier New" panose="02070309020205020404" pitchFamily="49" charset="0"/>
+              </a:rPr>
+              <a:t>  return 0;</a:t>
+            </a:r>
+          </a:p>
+          <a:p>
+            <a:pPr>
+              <a:lnSpc>
+                <a:spcPct val="80000"/>
+              </a:lnSpc>
+              <a:buFont typeface="Wingdings" panose="05000000000000000000" pitchFamily="2" charset="2"/>
+              <a:buNone/>
+            </a:pPr>
+            <a:r>
+              <a:rPr lang="en-US" altLang="zh-CN" sz="2000" b="1" dirty="0">
+                <a:solidFill>
+                  <a:schemeClr val="folHlink"/>
+                </a:solidFill>
+                <a:latin typeface="Courier New" panose="02070309020205020404" pitchFamily="49" charset="0"/>
+              </a:rPr>
+              <a:t>}</a:t>
+            </a:r>
+            <a:r>
+              <a:rPr lang="en-US" altLang="zh-CN" sz="2000" b="1" dirty="0">
                 <a:latin typeface="Courier New" panose="02070309020205020404" pitchFamily="49" charset="0"/>
               </a:rPr>
               <a:t> </a:t>
             </a:r>
-          </a:p>
-          <a:p>
-            <a:pPr>
-              <a:lnSpc>
-                <a:spcPct val="80000"/>
-              </a:lnSpc>
-              <a:buFont typeface="Wingdings" panose="05000000000000000000" pitchFamily="2" charset="2"/>
-              <a:buNone/>
-            </a:pPr>
-            <a:r>
-              <a:rPr lang="en-US" altLang="zh-CN" sz="2000" b="1">
-                <a:solidFill>
-                  <a:schemeClr val="hlink"/>
-                </a:solidFill>
-                <a:latin typeface="Courier New" panose="02070309020205020404" pitchFamily="49" charset="0"/>
-              </a:rPr>
-              <a:t>  num[0] = 0;</a:t>
-            </a:r>
-          </a:p>
-          <a:p>
-            <a:pPr>
-              <a:lnSpc>
-                <a:spcPct val="80000"/>
-              </a:lnSpc>
-              <a:buFont typeface="Wingdings" panose="05000000000000000000" pitchFamily="2" charset="2"/>
-              <a:buNone/>
-            </a:pPr>
-            <a:r>
-              <a:rPr lang="en-US" altLang="zh-CN" sz="2000" b="1">
-                <a:latin typeface="Courier New" panose="02070309020205020404" pitchFamily="49" charset="0"/>
-              </a:rPr>
-              <a:t>  </a:t>
-            </a:r>
-            <a:r>
-              <a:rPr lang="en-US" altLang="zh-CN" sz="2000" b="1">
-                <a:solidFill>
-                  <a:schemeClr val="hlink"/>
-                </a:solidFill>
-                <a:latin typeface="Courier New" panose="02070309020205020404" pitchFamily="49" charset="0"/>
-              </a:rPr>
-              <a:t>foo (num);</a:t>
-            </a:r>
-          </a:p>
-          <a:p>
-            <a:pPr>
-              <a:lnSpc>
-                <a:spcPct val="80000"/>
-              </a:lnSpc>
-              <a:buFont typeface="Wingdings" panose="05000000000000000000" pitchFamily="2" charset="2"/>
-              <a:buNone/>
-            </a:pPr>
-            <a:r>
-              <a:rPr lang="en-US" altLang="zh-CN" sz="2000" b="1">
-                <a:latin typeface="Courier New" panose="02070309020205020404" pitchFamily="49" charset="0"/>
-              </a:rPr>
-              <a:t>  </a:t>
-            </a:r>
-            <a:r>
-              <a:rPr lang="en-US" altLang="zh-CN" sz="2000" b="1">
-                <a:solidFill>
-                  <a:schemeClr val="hlink"/>
-                </a:solidFill>
-                <a:latin typeface="Courier New" panose="02070309020205020404" pitchFamily="49" charset="0"/>
-              </a:rPr>
-              <a:t>printf (“%ld\n”, num[0]);</a:t>
-            </a:r>
-          </a:p>
-          <a:p>
-            <a:pPr>
-              <a:lnSpc>
-                <a:spcPct val="80000"/>
-              </a:lnSpc>
-              <a:buFont typeface="Wingdings" panose="05000000000000000000" pitchFamily="2" charset="2"/>
-              <a:buNone/>
-            </a:pPr>
-            <a:r>
-              <a:rPr lang="en-US" altLang="zh-CN" sz="2000" b="1">
-                <a:solidFill>
-                  <a:schemeClr val="folHlink"/>
-                </a:solidFill>
-                <a:latin typeface="Courier New" panose="02070309020205020404" pitchFamily="49" charset="0"/>
-              </a:rPr>
-              <a:t>  return 0;</a:t>
-            </a:r>
-          </a:p>
-          <a:p>
-            <a:pPr>
-              <a:lnSpc>
-                <a:spcPct val="80000"/>
-              </a:lnSpc>
-              <a:buFont typeface="Wingdings" panose="05000000000000000000" pitchFamily="2" charset="2"/>
-              <a:buNone/>
-            </a:pPr>
-            <a:r>
-              <a:rPr lang="en-US" altLang="zh-CN" sz="2000" b="1">
-                <a:solidFill>
-                  <a:schemeClr val="folHlink"/>
-                </a:solidFill>
-                <a:latin typeface="Courier New" panose="02070309020205020404" pitchFamily="49" charset="0"/>
-              </a:rPr>
-              <a:t>}</a:t>
-            </a:r>
-            <a:r>
-              <a:rPr lang="en-US" altLang="zh-CN" sz="2000" b="1">
-                <a:latin typeface="Courier New" panose="02070309020205020404" pitchFamily="49" charset="0"/>
-              </a:rPr>
-              <a:t> </a:t>
-            </a:r>
-            <a:endParaRPr lang="en-US" altLang="zh-CN" sz="2000"/>
+            <a:endParaRPr lang="en-US" altLang="zh-CN" sz="2000" dirty="0"/>
           </a:p>
         </p:txBody>
       </p:sp>
@@ -11475,13 +11883,31 @@
               <a:buNone/>
             </a:pPr>
             <a:r>
-              <a:rPr lang="en-US" altLang="zh-CN" sz="2000" b="1">
-                <a:solidFill>
-                  <a:schemeClr val="folHlink"/>
-                </a:solidFill>
-                <a:latin typeface="Courier New" panose="02070309020205020404" pitchFamily="49" charset="0"/>
-              </a:rPr>
-              <a:t>#include &lt;stdio.h&gt;</a:t>
+              <a:rPr lang="en-US" altLang="zh-CN" sz="2000" b="1" dirty="0">
+                <a:solidFill>
+                  <a:schemeClr val="folHlink"/>
+                </a:solidFill>
+                <a:latin typeface="Courier New" panose="02070309020205020404" pitchFamily="49" charset="0"/>
+              </a:rPr>
+              <a:t>#include &lt;</a:t>
+            </a:r>
+            <a:r>
+              <a:rPr lang="en-US" altLang="zh-CN" sz="2000" b="1" dirty="0" err="1">
+                <a:solidFill>
+                  <a:schemeClr val="folHlink"/>
+                </a:solidFill>
+                <a:latin typeface="Courier New" panose="02070309020205020404" pitchFamily="49" charset="0"/>
+              </a:rPr>
+              <a:t>stdio.h</a:t>
+            </a:r>
+            <a:r>
+              <a:rPr lang="en-US" altLang="zh-CN" sz="2000" b="1" dirty="0">
+                <a:solidFill>
+                  <a:schemeClr val="folHlink"/>
+                </a:solidFill>
+                <a:latin typeface="Courier New" panose="02070309020205020404" pitchFamily="49" charset="0"/>
+              </a:rPr>
+              <a:t>&gt;</a:t>
             </a:r>
           </a:p>
           <a:p>
@@ -11492,7 +11918,7 @@
               <a:buFont typeface="Wingdings" panose="05000000000000000000" pitchFamily="2" charset="2"/>
               <a:buNone/>
             </a:pPr>
-            <a:endParaRPr lang="en-US" altLang="zh-CN" sz="2000" b="1">
+            <a:endParaRPr lang="en-US" altLang="zh-CN" sz="2000" b="1" dirty="0">
               <a:solidFill>
                 <a:schemeClr val="folHlink"/>
               </a:solidFill>
@@ -11508,7 +11934,7 @@
               <a:buNone/>
             </a:pPr>
             <a:r>
-              <a:rPr lang="en-US" altLang="zh-CN" sz="2000" b="1">
+              <a:rPr lang="en-US" altLang="zh-CN" sz="2000" b="1" dirty="0">
                 <a:solidFill>
                   <a:schemeClr val="folHlink"/>
                 </a:solidFill>
@@ -11526,7 +11952,7 @@
               <a:buNone/>
             </a:pPr>
             <a:r>
-              <a:rPr lang="en-US" altLang="zh-CN" sz="2000" b="1">
+              <a:rPr lang="en-US" altLang="zh-CN" sz="2000" b="1" dirty="0">
                 <a:solidFill>
                   <a:schemeClr val="folHlink"/>
                 </a:solidFill>
@@ -11544,7 +11970,7 @@
               <a:buNone/>
             </a:pPr>
             <a:r>
-              <a:rPr lang="en-US" altLang="zh-CN" sz="2000" b="1">
+              <a:rPr lang="en-US" altLang="zh-CN" sz="2000" b="1" dirty="0">
                 <a:solidFill>
                   <a:schemeClr val="folHlink"/>
                 </a:solidFill>
@@ -11562,13 +11988,31 @@
               <a:buNone/>
             </a:pPr>
             <a:r>
-              <a:rPr lang="en-US" altLang="zh-CN" sz="2000" b="1">
-                <a:solidFill>
-                  <a:schemeClr val="folHlink"/>
-                </a:solidFill>
-                <a:latin typeface="Courier New" panose="02070309020205020404" pitchFamily="49" charset="0"/>
-              </a:rPr>
-              <a:t>  c = getchar ();</a:t>
+              <a:rPr lang="en-US" altLang="zh-CN" sz="2000" b="1" dirty="0">
+                <a:solidFill>
+                  <a:schemeClr val="folHlink"/>
+                </a:solidFill>
+                <a:latin typeface="Courier New" panose="02070309020205020404" pitchFamily="49" charset="0"/>
+              </a:rPr>
+              <a:t>  c = </a:t>
+            </a:r>
+            <a:r>
+              <a:rPr lang="en-US" altLang="zh-CN" sz="2000" b="1" dirty="0" err="1">
+                <a:solidFill>
+                  <a:schemeClr val="folHlink"/>
+                </a:solidFill>
+                <a:latin typeface="Courier New" panose="02070309020205020404" pitchFamily="49" charset="0"/>
+              </a:rPr>
+              <a:t>getchar</a:t>
+            </a:r>
+            <a:r>
+              <a:rPr lang="en-US" altLang="zh-CN" sz="2000" b="1" dirty="0">
+                <a:solidFill>
+                  <a:schemeClr val="folHlink"/>
+                </a:solidFill>
+                <a:latin typeface="Courier New" panose="02070309020205020404" pitchFamily="49" charset="0"/>
+              </a:rPr>
+              <a:t> ();</a:t>
             </a:r>
           </a:p>
           <a:p>
@@ -11579,7 +12023,7 @@
               <a:buFont typeface="Wingdings" panose="05000000000000000000" pitchFamily="2" charset="2"/>
               <a:buNone/>
             </a:pPr>
-            <a:endParaRPr lang="en-US" altLang="zh-CN" sz="2000" b="1">
+            <a:endParaRPr lang="en-US" altLang="zh-CN" sz="2000" b="1" dirty="0">
               <a:latin typeface="Courier New" panose="02070309020205020404" pitchFamily="49" charset="0"/>
             </a:endParaRPr>
           </a:p>
@@ -11592,13 +12036,13 @@
               <a:buNone/>
             </a:pPr>
             <a:r>
-              <a:rPr lang="en-US" altLang="zh-CN" sz="2000" b="1">
+              <a:rPr lang="en-US" altLang="zh-CN" sz="2000" b="1" dirty="0">
                 <a:latin typeface="Courier New" panose="02070309020205020404" pitchFamily="49" charset="0"/>
               </a:rPr>
               <a:t>  </a:t>
             </a:r>
             <a:r>
-              <a:rPr lang="en-US" altLang="zh-CN" sz="2000" b="1">
+              <a:rPr lang="en-US" altLang="zh-CN" sz="2000" b="1" dirty="0">
                 <a:solidFill>
                   <a:schemeClr val="hlink"/>
                 </a:solidFill>
@@ -11615,7 +12059,7 @@
               <a:buFont typeface="Wingdings" panose="05000000000000000000" pitchFamily="2" charset="2"/>
               <a:buNone/>
             </a:pPr>
-            <a:endParaRPr lang="en-US" altLang="zh-CN" sz="2000" b="1">
+            <a:endParaRPr lang="en-US" altLang="zh-CN" sz="2000" b="1" dirty="0">
               <a:latin typeface="Courier New" panose="02070309020205020404" pitchFamily="49" charset="0"/>
             </a:endParaRPr>
           </a:p>
@@ -11628,19 +12072,37 @@
               <a:buNone/>
             </a:pPr>
             <a:r>
-              <a:rPr lang="en-US" altLang="zh-CN" sz="2000" b="1">
+              <a:rPr lang="en-US" altLang="zh-CN" sz="2000" b="1" dirty="0">
                 <a:latin typeface="Courier New" panose="02070309020205020404" pitchFamily="49" charset="0"/>
               </a:rPr>
               <a:t>  	  </a:t>
             </a:r>
             <a:r>
-              <a:rPr lang="en-US" altLang="zh-CN" sz="2000" b="1">
-                <a:solidFill>
-                  <a:schemeClr val="folHlink"/>
-                </a:solidFill>
-                <a:latin typeface="Courier New" panose="02070309020205020404" pitchFamily="49" charset="0"/>
-              </a:rPr>
-              <a:t>c = getchar ();</a:t>
+              <a:rPr lang="en-US" altLang="zh-CN" sz="2000" b="1" dirty="0">
+                <a:solidFill>
+                  <a:schemeClr val="folHlink"/>
+                </a:solidFill>
+                <a:latin typeface="Courier New" panose="02070309020205020404" pitchFamily="49" charset="0"/>
+              </a:rPr>
+              <a:t>c = </a:t>
+            </a:r>
+            <a:r>
+              <a:rPr lang="en-US" altLang="zh-CN" sz="2000" b="1" dirty="0" err="1">
+                <a:solidFill>
+                  <a:schemeClr val="folHlink"/>
+                </a:solidFill>
+                <a:latin typeface="Courier New" panose="02070309020205020404" pitchFamily="49" charset="0"/>
+              </a:rPr>
+              <a:t>getchar</a:t>
+            </a:r>
+            <a:r>
+              <a:rPr lang="en-US" altLang="zh-CN" sz="2000" b="1" dirty="0">
+                <a:solidFill>
+                  <a:schemeClr val="folHlink"/>
+                </a:solidFill>
+                <a:latin typeface="Courier New" panose="02070309020205020404" pitchFamily="49" charset="0"/>
+              </a:rPr>
+              <a:t> ();</a:t>
             </a:r>
           </a:p>
           <a:p>
@@ -11652,13 +12114,31 @@
               <a:buNone/>
             </a:pPr>
             <a:r>
-              <a:rPr lang="en-US" altLang="zh-CN" sz="2000" b="1">
-                <a:solidFill>
-                  <a:schemeClr val="folHlink"/>
-                </a:solidFill>
-                <a:latin typeface="Courier New" panose="02070309020205020404" pitchFamily="49" charset="0"/>
-              </a:rPr>
-              <a:t>	  putchar (c);</a:t>
+              <a:rPr lang="en-US" altLang="zh-CN" sz="2000" b="1" dirty="0">
+                <a:solidFill>
+                  <a:schemeClr val="folHlink"/>
+                </a:solidFill>
+                <a:latin typeface="Courier New" panose="02070309020205020404" pitchFamily="49" charset="0"/>
+              </a:rPr>
+              <a:t>	  </a:t>
+            </a:r>
+            <a:r>
+              <a:rPr lang="en-US" altLang="zh-CN" sz="2000" b="1" dirty="0" err="1">
+                <a:solidFill>
+                  <a:schemeClr val="folHlink"/>
+                </a:solidFill>
+                <a:latin typeface="Courier New" panose="02070309020205020404" pitchFamily="49" charset="0"/>
+              </a:rPr>
+              <a:t>putchar</a:t>
+            </a:r>
+            <a:r>
+              <a:rPr lang="en-US" altLang="zh-CN" sz="2000" b="1" dirty="0">
+                <a:solidFill>
+                  <a:schemeClr val="folHlink"/>
+                </a:solidFill>
+                <a:latin typeface="Courier New" panose="02070309020205020404" pitchFamily="49" charset="0"/>
+              </a:rPr>
+              <a:t> (c);</a:t>
             </a:r>
           </a:p>
           <a:p>
@@ -11670,13 +12150,13 @@
               <a:buNone/>
             </a:pPr>
             <a:r>
-              <a:rPr lang="en-US" altLang="zh-CN" sz="2000" b="1">
+              <a:rPr lang="en-US" altLang="zh-CN" sz="2000" b="1" dirty="0">
                 <a:latin typeface="Courier New" panose="02070309020205020404" pitchFamily="49" charset="0"/>
               </a:rPr>
               <a:t>	</a:t>
             </a:r>
             <a:r>
-              <a:rPr lang="en-US" altLang="zh-CN" sz="2000" b="1">
+              <a:rPr lang="en-US" altLang="zh-CN" sz="2000" b="1" dirty="0">
                 <a:solidFill>
                   <a:schemeClr val="hlink"/>
                 </a:solidFill>
@@ -11693,7 +12173,7 @@
               <a:buFont typeface="Wingdings" panose="05000000000000000000" pitchFamily="2" charset="2"/>
               <a:buNone/>
             </a:pPr>
-            <a:endParaRPr lang="en-US" altLang="zh-CN" sz="2000" b="1">
+            <a:endParaRPr lang="en-US" altLang="zh-CN" sz="2000" b="1" dirty="0">
               <a:latin typeface="Courier New" panose="02070309020205020404" pitchFamily="49" charset="0"/>
             </a:endParaRPr>
           </a:p>
@@ -11705,7 +12185,7 @@
               <a:buFont typeface="Wingdings" panose="05000000000000000000" pitchFamily="2" charset="2"/>
               <a:buNone/>
             </a:pPr>
-            <a:endParaRPr lang="en-US" altLang="zh-CN" sz="2000" b="1">
+            <a:endParaRPr lang="en-US" altLang="zh-CN" sz="2000" b="1" dirty="0">
               <a:latin typeface="Courier New" panose="02070309020205020404" pitchFamily="49" charset="0"/>
             </a:endParaRPr>
           </a:p>
@@ -11718,13 +12198,13 @@
               <a:buNone/>
             </a:pPr>
             <a:r>
-              <a:rPr lang="en-US" altLang="zh-CN" sz="2000" b="1">
+              <a:rPr lang="en-US" altLang="zh-CN" sz="2000" b="1" dirty="0">
                 <a:latin typeface="Courier New" panose="02070309020205020404" pitchFamily="49" charset="0"/>
               </a:rPr>
               <a:t>  </a:t>
             </a:r>
             <a:r>
-              <a:rPr lang="en-US" altLang="zh-CN" sz="2000" b="1">
+              <a:rPr lang="en-US" altLang="zh-CN" sz="2000" b="1" dirty="0">
                 <a:solidFill>
                   <a:schemeClr val="folHlink"/>
                 </a:solidFill>
@@ -11742,7 +12222,7 @@
               <a:buNone/>
             </a:pPr>
             <a:r>
-              <a:rPr lang="en-US" altLang="zh-CN" sz="2000" b="1">
+              <a:rPr lang="en-US" altLang="zh-CN" sz="2000" b="1" dirty="0">
                 <a:solidFill>
                   <a:schemeClr val="folHlink"/>
                 </a:solidFill>

--- a/courses/sysprog/slides/lec02-charIO.pptx
+++ b/courses/sysprog/slides/lec02-charIO.pptx
@@ -4956,87 +4956,91 @@
           <a:lstStyle/>
           <a:p>
             <a:r>
-              <a:rPr lang="en-US" altLang="zh-CN" sz="2800"/>
+              <a:rPr lang="en-US" altLang="zh-CN" sz="2800" dirty="0"/>
               <a:t>Thus far, we have seen:</a:t>
             </a:r>
           </a:p>
           <a:p>
             <a:pPr lvl="1"/>
             <a:r>
-              <a:rPr lang="en-US" altLang="zh-CN" sz="2400"/>
+              <a:rPr lang="en-US" altLang="zh-CN" sz="2400" dirty="0"/>
               <a:t>Characters are just small integers (0-255)</a:t>
             </a:r>
           </a:p>
           <a:p>
             <a:pPr lvl="1"/>
             <a:r>
-              <a:rPr lang="en-US" altLang="zh-CN" sz="2400"/>
+              <a:rPr lang="en-US" altLang="zh-CN" sz="2400" dirty="0"/>
               <a:t>More operations </a:t>
             </a:r>
           </a:p>
           <a:p>
             <a:pPr lvl="2"/>
             <a:r>
-              <a:rPr lang="en-US" altLang="zh-CN" sz="2000"/>
+              <a:rPr lang="en-US" altLang="zh-CN" sz="2000" dirty="0">
+                <a:solidFill>
+                  <a:srgbClr val="0432FF"/>
+                </a:solidFill>
+              </a:rPr>
               <a:t>==, !=</a:t>
             </a:r>
           </a:p>
           <a:p>
             <a:pPr lvl="1"/>
             <a:r>
-              <a:rPr lang="en-US" altLang="zh-CN" sz="2400"/>
+              <a:rPr lang="en-US" altLang="zh-CN" sz="2400" dirty="0"/>
               <a:t>Control structures</a:t>
             </a:r>
           </a:p>
           <a:p>
             <a:pPr lvl="2"/>
             <a:r>
-              <a:rPr lang="en-US" altLang="zh-CN" sz="2000"/>
+              <a:rPr lang="en-US" altLang="zh-CN" sz="2000" dirty="0"/>
               <a:t>Nested controls</a:t>
             </a:r>
           </a:p>
           <a:p>
             <a:r>
-              <a:rPr lang="en-US" altLang="zh-CN" sz="2800"/>
-              <a:t>Next, we consider how to count the number of ocurrences of characters </a:t>
-            </a:r>
-            <a:r>
-              <a:rPr lang="en-US" altLang="zh-CN" sz="2800">
+              <a:rPr lang="en-US" altLang="zh-CN" sz="2800" dirty="0"/>
+              <a:t>Next, we consider how to count the number of occurrences of characters </a:t>
+            </a:r>
+            <a:r>
+              <a:rPr lang="en-US" altLang="zh-CN" sz="2800" dirty="0">
                 <a:latin typeface="Arial" panose="020B0604020202020204" pitchFamily="34" charset="0"/>
               </a:rPr>
               <a:t>‘</a:t>
             </a:r>
             <a:r>
-              <a:rPr lang="en-US" altLang="zh-CN" sz="2800"/>
+              <a:rPr lang="en-US" altLang="zh-CN" sz="2800" dirty="0"/>
               <a:t>0</a:t>
             </a:r>
             <a:r>
-              <a:rPr lang="en-US" altLang="zh-CN" sz="2800">
+              <a:rPr lang="en-US" altLang="zh-CN" sz="2800" dirty="0">
                 <a:latin typeface="Arial" panose="020B0604020202020204" pitchFamily="34" charset="0"/>
               </a:rPr>
               <a:t>’</a:t>
             </a:r>
             <a:r>
-              <a:rPr lang="en-US" altLang="zh-CN" sz="2800"/>
+              <a:rPr lang="en-US" altLang="zh-CN" sz="2800" dirty="0"/>
               <a:t> to </a:t>
             </a:r>
             <a:r>
-              <a:rPr lang="en-US" altLang="zh-CN" sz="2800">
+              <a:rPr lang="en-US" altLang="zh-CN" sz="2800" dirty="0">
                 <a:latin typeface="Arial" panose="020B0604020202020204" pitchFamily="34" charset="0"/>
               </a:rPr>
               <a:t>‘</a:t>
             </a:r>
             <a:r>
-              <a:rPr lang="en-US" altLang="zh-CN" sz="2800"/>
+              <a:rPr lang="en-US" altLang="zh-CN" sz="2800" dirty="0"/>
               <a:t>9</a:t>
             </a:r>
             <a:r>
-              <a:rPr lang="en-US" altLang="zh-CN" sz="2800">
+              <a:rPr lang="en-US" altLang="zh-CN" sz="2800" dirty="0">
                 <a:latin typeface="Arial" panose="020B0604020202020204" pitchFamily="34" charset="0"/>
               </a:rPr>
               <a:t>’</a:t>
             </a:r>
-            <a:endParaRPr lang="en-US" altLang="zh-CN" sz="2800"/>
+            <a:endParaRPr lang="en-US" altLang="zh-CN" sz="2800" dirty="0"/>
           </a:p>
         </p:txBody>
       </p:sp>
@@ -5087,8 +5091,16 @@
           <a:lstStyle/>
           <a:p>
             <a:r>
-              <a:rPr lang="en-US" altLang="zh-CN"/>
-              <a:t>A First (Stupid) Try</a:t>
+              <a:rPr lang="en-US" altLang="zh-CN" dirty="0"/>
+              <a:t>A First (seemingly</a:t>
+            </a:r>
+            <a:r>
+              <a:rPr lang="zh-CN" altLang="en-US" dirty="0"/>
+              <a:t> </a:t>
+            </a:r>
+            <a:r>
+              <a:rPr lang="en-US" altLang="zh-CN" dirty="0"/>
+              <a:t>Stupid) Try</a:t>
             </a:r>
           </a:p>
         </p:txBody>
@@ -5272,7 +5284,7 @@
                 </a:solidFill>
                 <a:latin typeface="Courier New" panose="02070309020205020404" pitchFamily="49" charset="0"/>
               </a:rPr>
-              <a:t>    if (c == ‘0’)</a:t>
+              <a:t>    if(c == ‘0’)</a:t>
             </a:r>
           </a:p>
           <a:p>
@@ -5308,7 +5320,7 @@
                 </a:solidFill>
                 <a:latin typeface="Courier New" panose="02070309020205020404" pitchFamily="49" charset="0"/>
               </a:rPr>
-              <a:t>    else if (c == ‘1’)</a:t>
+              <a:t>    else if(c == ‘1’)</a:t>
             </a:r>
           </a:p>
           <a:p>
@@ -5687,7 +5699,7 @@
                 </a:solidFill>
                 <a:latin typeface="Courier New" panose="02070309020205020404" pitchFamily="49" charset="0"/>
               </a:rPr>
-              <a:t>  for (</a:t>
+              <a:t>  for(</a:t>
             </a:r>
             <a:r>
               <a:rPr lang="en-US" altLang="zh-CN" sz="2000" b="1" dirty="0" err="1">
@@ -5801,31 +5813,40 @@
                 </a:solidFill>
                 <a:latin typeface="Courier New" panose="02070309020205020404" pitchFamily="49" charset="0"/>
               </a:rPr>
-              <a:t>while</a:t>
-            </a:r>
-            <a:r>
-              <a:rPr lang="en-US" altLang="zh-CN" sz="2000" b="1" dirty="0">
-                <a:latin typeface="Courier New" panose="02070309020205020404" pitchFamily="49" charset="0"/>
-              </a:rPr>
-              <a:t> </a:t>
-            </a:r>
-            <a:r>
-              <a:rPr lang="en-US" altLang="zh-CN" sz="2000" b="1" dirty="0">
+              <a:t>while((c=</a:t>
+            </a:r>
+            <a:r>
+              <a:rPr lang="en-US" altLang="zh-CN" sz="2000" b="1" dirty="0" err="1">
                 <a:solidFill>
                   <a:schemeClr val="hlink"/>
                 </a:solidFill>
                 <a:latin typeface="Courier New" panose="02070309020205020404" pitchFamily="49" charset="0"/>
               </a:rPr>
-              <a:t>((c=</a:t>
-            </a:r>
-            <a:r>
-              <a:rPr lang="en-US" altLang="zh-CN" sz="2000" b="1" dirty="0" err="1">
+              <a:t>getchar</a:t>
+            </a:r>
+            <a:r>
+              <a:rPr lang="en-US" altLang="zh-CN" sz="2000" b="1" dirty="0">
                 <a:solidFill>
                   <a:schemeClr val="hlink"/>
                 </a:solidFill>
                 <a:latin typeface="Courier New" panose="02070309020205020404" pitchFamily="49" charset="0"/>
               </a:rPr>
-              <a:t>getchar</a:t>
+              <a:t>()) != EOF)</a:t>
+            </a:r>
+          </a:p>
+          <a:p>
+            <a:pPr>
+              <a:lnSpc>
+                <a:spcPct val="80000"/>
+              </a:lnSpc>
+              <a:buFont typeface="Wingdings" panose="05000000000000000000" pitchFamily="2" charset="2"/>
+              <a:buNone/>
+            </a:pPr>
+            <a:r>
+              <a:rPr lang="en-US" altLang="zh-CN" sz="2000" b="1" dirty="0">
+                <a:latin typeface="Courier New" panose="02070309020205020404" pitchFamily="49" charset="0"/>
+              </a:rPr>
+              <a:t>    </a:t>
             </a:r>
             <a:r>
               <a:rPr lang="en-US" altLang="zh-CN" sz="2000" b="1" dirty="0">
@@ -5834,31 +5855,7 @@
                 </a:solidFill>
                 <a:latin typeface="Courier New" panose="02070309020205020404" pitchFamily="49" charset="0"/>
               </a:rPr>
-              <a:t>()) != EOF)</a:t>
-            </a:r>
-          </a:p>
-          <a:p>
-            <a:pPr>
-              <a:lnSpc>
-                <a:spcPct val="80000"/>
-              </a:lnSpc>
-              <a:buFont typeface="Wingdings" panose="05000000000000000000" pitchFamily="2" charset="2"/>
-              <a:buNone/>
-            </a:pPr>
-            <a:r>
-              <a:rPr lang="en-US" altLang="zh-CN" sz="2000" b="1" dirty="0">
-                <a:latin typeface="Courier New" panose="02070309020205020404" pitchFamily="49" charset="0"/>
-              </a:rPr>
-              <a:t>    </a:t>
-            </a:r>
-            <a:r>
-              <a:rPr lang="en-US" altLang="zh-CN" sz="2000" b="1" dirty="0">
-                <a:solidFill>
-                  <a:schemeClr val="hlink"/>
-                </a:solidFill>
-                <a:latin typeface="Courier New" panose="02070309020205020404" pitchFamily="49" charset="0"/>
-              </a:rPr>
-              <a:t>if ((c &gt;= ‘0’) &amp;&amp; (c &lt;= ‘9’))</a:t>
+              <a:t>if((c &gt;= ‘0’) &amp;&amp; (c &lt;= ‘9’))</a:t>
             </a:r>
           </a:p>
           <a:p>
@@ -6066,32 +6063,56 @@
           <a:lstStyle/>
           <a:p>
             <a:r>
-              <a:rPr lang="en-US" altLang="zh-CN"/>
+              <a:rPr lang="en-US" altLang="zh-CN" dirty="0"/>
               <a:t>An array variable </a:t>
             </a:r>
             <a:r>
-              <a:rPr lang="en-US" altLang="zh-CN" i="1"/>
+              <a:rPr lang="en-US" altLang="zh-CN" i="1" dirty="0">
+                <a:solidFill>
+                  <a:srgbClr val="0432FF"/>
+                </a:solidFill>
+              </a:rPr>
               <a:t>a</a:t>
             </a:r>
             <a:r>
-              <a:rPr lang="en-US" altLang="zh-CN"/>
+              <a:rPr lang="en-US" altLang="zh-CN" dirty="0"/>
               <a:t> is just the address of the the first array element </a:t>
             </a:r>
             <a:r>
-              <a:rPr lang="en-US" altLang="zh-CN" i="1"/>
+              <a:rPr lang="en-US" altLang="zh-CN" i="1" dirty="0">
+                <a:solidFill>
+                  <a:srgbClr val="0432FF"/>
+                </a:solidFill>
+              </a:rPr>
               <a:t>a[0]</a:t>
             </a:r>
           </a:p>
           <a:p>
             <a:r>
-              <a:rPr lang="en-US" altLang="zh-CN"/>
-              <a:t>So when we pass an array to other functions, or we operate on the array variable, we are really operating on a pointer, not on array elements</a:t>
+              <a:rPr lang="en-US" altLang="zh-CN" dirty="0"/>
+              <a:t>So when passing an array to a function or manipulating</a:t>
+            </a:r>
+            <a:r>
+              <a:rPr lang="zh-CN" altLang="en-US" dirty="0"/>
+              <a:t> </a:t>
+            </a:r>
+            <a:r>
+              <a:rPr lang="en-US" altLang="zh-CN" dirty="0"/>
+              <a:t>array variables, we are really manipulating a pointer, instead</a:t>
+            </a:r>
+            <a:r>
+              <a:rPr lang="zh-CN" altLang="en-US" dirty="0"/>
+              <a:t> </a:t>
+            </a:r>
+            <a:r>
+              <a:rPr lang="en-US" altLang="zh-CN" dirty="0"/>
+              <a:t>of array elements</a:t>
             </a:r>
           </a:p>
           <a:p>
             <a:pPr lvl="1"/>
             <a:r>
-              <a:rPr lang="en-US" altLang="zh-CN"/>
+              <a:rPr lang="en-US" altLang="zh-CN" dirty="0"/>
               <a:t>More on this later</a:t>
             </a:r>
           </a:p>
@@ -6144,7 +6165,7 @@
           <a:lstStyle/>
           <a:p>
             <a:r>
-              <a:rPr lang="en-US" altLang="zh-CN"/>
+              <a:rPr lang="en-US" altLang="zh-CN" dirty="0"/>
               <a:t>An Example</a:t>
             </a:r>
           </a:p>
@@ -7123,7 +7144,7 @@
                 </a:solidFill>
                 <a:latin typeface="Courier New" panose="02070309020205020404" pitchFamily="49" charset="0"/>
               </a:rPr>
-              <a:t> (“%</a:t>
+              <a:t>(“%</a:t>
             </a:r>
             <a:r>
               <a:rPr lang="en-US" altLang="zh-CN" sz="2000" b="1" dirty="0" err="1">
@@ -10017,11 +10038,11 @@
               </a:lnSpc>
             </a:pPr>
             <a:r>
-              <a:rPr lang="en-US" altLang="zh-CN" sz="2400"/>
+              <a:rPr lang="en-US" altLang="zh-CN" sz="2400" dirty="0"/>
               <a:t>Including the </a:t>
             </a:r>
             <a:r>
-              <a:rPr lang="en-US" altLang="zh-CN" sz="2400">
+              <a:rPr lang="en-US" altLang="zh-CN" sz="2400" dirty="0">
                 <a:solidFill>
                   <a:schemeClr val="hlink"/>
                 </a:solidFill>
@@ -10029,11 +10050,11 @@
               <a:t>St</a:t>
             </a:r>
             <a:r>
-              <a:rPr lang="en-US" altLang="zh-CN" sz="2400"/>
+              <a:rPr lang="en-US" altLang="zh-CN" sz="2400" dirty="0"/>
               <a:t>an</a:t>
             </a:r>
             <a:r>
-              <a:rPr lang="en-US" altLang="zh-CN" sz="2400">
+              <a:rPr lang="en-US" altLang="zh-CN" sz="2400" dirty="0">
                 <a:solidFill>
                   <a:schemeClr val="hlink"/>
                 </a:solidFill>
@@ -10041,11 +10062,11 @@
               <a:t>d</a:t>
             </a:r>
             <a:r>
-              <a:rPr lang="en-US" altLang="zh-CN" sz="2400"/>
+              <a:rPr lang="en-US" altLang="zh-CN" sz="2400" dirty="0"/>
               <a:t>ard </a:t>
             </a:r>
             <a:r>
-              <a:rPr lang="en-US" altLang="zh-CN" sz="2400">
+              <a:rPr lang="en-US" altLang="zh-CN" sz="2400" dirty="0">
                 <a:solidFill>
                   <a:schemeClr val="hlink"/>
                 </a:solidFill>
@@ -10053,11 +10074,11 @@
               <a:t>I</a:t>
             </a:r>
             <a:r>
-              <a:rPr lang="en-US" altLang="zh-CN" sz="2400"/>
+              <a:rPr lang="en-US" altLang="zh-CN" sz="2400" dirty="0"/>
               <a:t>nput/</a:t>
             </a:r>
             <a:r>
-              <a:rPr lang="en-US" altLang="zh-CN" sz="2400">
+              <a:rPr lang="en-US" altLang="zh-CN" sz="2400" dirty="0">
                 <a:solidFill>
                   <a:schemeClr val="hlink"/>
                 </a:solidFill>
@@ -10065,8 +10086,16 @@
               <a:t>O</a:t>
             </a:r>
             <a:r>
-              <a:rPr lang="en-US" altLang="zh-CN" sz="2400"/>
-              <a:t>utput (stdio) library</a:t>
+              <a:rPr lang="en-US" altLang="zh-CN" sz="2400" dirty="0"/>
+              <a:t>utput (</a:t>
+            </a:r>
+            <a:r>
+              <a:rPr lang="en-US" altLang="zh-CN" sz="2400" dirty="0" err="1"/>
+              <a:t>stdio</a:t>
+            </a:r>
+            <a:r>
+              <a:rPr lang="en-US" altLang="zh-CN" sz="2400" dirty="0"/>
+              <a:t>) library</a:t>
             </a:r>
           </a:p>
           <a:p>
@@ -10076,16 +10105,38 @@
               </a:lnSpc>
             </a:pPr>
             <a:r>
-              <a:rPr lang="en-US" altLang="zh-CN" sz="2000" b="1">
-                <a:solidFill>
-                  <a:schemeClr val="folHlink"/>
-                </a:solidFill>
-                <a:latin typeface="Courier New" panose="02070309020205020404" pitchFamily="49" charset="0"/>
-              </a:rPr>
-              <a:t>#include &lt;stdio.h&gt;</a:t>
-            </a:r>
-            <a:r>
-              <a:rPr lang="en-US" altLang="zh-CN" sz="2000"/>
+              <a:rPr lang="en-US" altLang="zh-CN" sz="2000" b="1" dirty="0">
+                <a:solidFill>
+                  <a:srgbClr val="0432FF"/>
+                </a:solidFill>
+                <a:latin typeface="Courier New" panose="02070309020205020404" pitchFamily="49" charset="0"/>
+              </a:rPr>
+              <a:t>#include &lt;</a:t>
+            </a:r>
+            <a:r>
+              <a:rPr lang="en-US" altLang="zh-CN" sz="2000" b="1" dirty="0" err="1">
+                <a:solidFill>
+                  <a:srgbClr val="0432FF"/>
+                </a:solidFill>
+                <a:latin typeface="Courier New" panose="02070309020205020404" pitchFamily="49" charset="0"/>
+              </a:rPr>
+              <a:t>stdio.h</a:t>
+            </a:r>
+            <a:r>
+              <a:rPr lang="en-US" altLang="zh-CN" sz="2000" b="1" dirty="0">
+                <a:solidFill>
+                  <a:srgbClr val="0432FF"/>
+                </a:solidFill>
+                <a:latin typeface="Courier New" panose="02070309020205020404" pitchFamily="49" charset="0"/>
+              </a:rPr>
+              <a:t>&gt;</a:t>
+            </a:r>
+            <a:r>
+              <a:rPr lang="en-US" altLang="zh-CN" sz="2000" dirty="0">
+                <a:solidFill>
+                  <a:srgbClr val="0432FF"/>
+                </a:solidFill>
+              </a:rPr>
               <a:t> </a:t>
             </a:r>
           </a:p>
@@ -10096,10 +10147,10 @@
               </a:lnSpc>
             </a:pPr>
             <a:r>
-              <a:rPr lang="en-US" altLang="zh-CN" sz="2000"/>
+              <a:rPr lang="en-US" altLang="zh-CN" sz="2000" dirty="0"/>
               <a:t>Makes names of functions, variables, and macros visible</a:t>
             </a:r>
-            <a:endParaRPr lang="en-US" altLang="zh-CN" sz="2000" b="1">
+            <a:endParaRPr lang="en-US" altLang="zh-CN" sz="2000" b="1" dirty="0">
               <a:latin typeface="Courier New" panose="02070309020205020404" pitchFamily="49" charset="0"/>
             </a:endParaRPr>
           </a:p>
@@ -10110,7 +10161,7 @@
               </a:lnSpc>
             </a:pPr>
             <a:r>
-              <a:rPr lang="en-US" altLang="zh-CN" sz="2400"/>
+              <a:rPr lang="en-US" altLang="zh-CN" sz="2400" dirty="0"/>
               <a:t>Read a single character</a:t>
             </a:r>
           </a:p>
@@ -10121,27 +10172,27 @@
               </a:lnSpc>
             </a:pPr>
             <a:r>
-              <a:rPr lang="en-US" altLang="zh-CN" sz="2000"/>
+              <a:rPr lang="en-US" altLang="zh-CN" sz="2000" dirty="0"/>
               <a:t>Read and returns a single character from the text stream </a:t>
             </a:r>
             <a:r>
-              <a:rPr lang="en-US" altLang="zh-CN" sz="2000">
+              <a:rPr lang="en-US" altLang="zh-CN" sz="2000" dirty="0">
                 <a:latin typeface="Helvetica" panose="020B0604020202020204" pitchFamily="34" charset="0"/>
               </a:rPr>
               <a:t>“</a:t>
             </a:r>
             <a:r>
-              <a:rPr lang="en-US" altLang="zh-CN" sz="2000"/>
+              <a:rPr lang="en-US" altLang="zh-CN" sz="2000" dirty="0"/>
               <a:t>standard in</a:t>
             </a:r>
             <a:r>
-              <a:rPr lang="en-US" altLang="zh-CN" sz="2000">
+              <a:rPr lang="en-US" altLang="zh-CN" sz="2000" dirty="0">
                 <a:latin typeface="Helvetica" panose="020B0604020202020204" pitchFamily="34" charset="0"/>
               </a:rPr>
               <a:t>”</a:t>
             </a:r>
             <a:r>
-              <a:rPr lang="en-US" altLang="zh-CN" sz="2000"/>
+              <a:rPr lang="en-US" altLang="zh-CN" sz="2000" dirty="0"/>
               <a:t> (stdin)</a:t>
             </a:r>
           </a:p>
@@ -10152,13 +10203,31 @@
               </a:lnSpc>
             </a:pPr>
             <a:r>
-              <a:rPr lang="en-US" altLang="zh-CN" sz="2000" b="1">
-                <a:solidFill>
-                  <a:schemeClr val="folHlink"/>
-                </a:solidFill>
-                <a:latin typeface="Courier New" panose="02070309020205020404" pitchFamily="49" charset="0"/>
-              </a:rPr>
-              <a:t>int getchar();</a:t>
+              <a:rPr lang="en-US" altLang="zh-CN" sz="2000" b="1" dirty="0">
+                <a:solidFill>
+                  <a:srgbClr val="0432FF"/>
+                </a:solidFill>
+                <a:latin typeface="Courier New" panose="02070309020205020404" pitchFamily="49" charset="0"/>
+              </a:rPr>
+              <a:t>int </a:t>
+            </a:r>
+            <a:r>
+              <a:rPr lang="en-US" altLang="zh-CN" sz="2000" b="1" dirty="0" err="1">
+                <a:solidFill>
+                  <a:srgbClr val="0432FF"/>
+                </a:solidFill>
+                <a:latin typeface="Courier New" panose="02070309020205020404" pitchFamily="49" charset="0"/>
+              </a:rPr>
+              <a:t>getchar</a:t>
+            </a:r>
+            <a:r>
+              <a:rPr lang="en-US" altLang="zh-CN" sz="2000" b="1" dirty="0">
+                <a:solidFill>
+                  <a:srgbClr val="0432FF"/>
+                </a:solidFill>
+                <a:latin typeface="Courier New" panose="02070309020205020404" pitchFamily="49" charset="0"/>
+              </a:rPr>
+              <a:t>();</a:t>
             </a:r>
           </a:p>
           <a:p>
@@ -10168,7 +10237,7 @@
               </a:lnSpc>
             </a:pPr>
             <a:r>
-              <a:rPr lang="en-US" altLang="zh-CN" sz="2400"/>
+              <a:rPr lang="en-US" altLang="zh-CN" sz="2400" dirty="0"/>
               <a:t>Write a single character</a:t>
             </a:r>
           </a:p>
@@ -10179,28 +10248,36 @@
               </a:lnSpc>
             </a:pPr>
             <a:r>
-              <a:rPr lang="en-US" altLang="zh-CN" sz="2000"/>
+              <a:rPr lang="en-US" altLang="zh-CN" sz="2000" dirty="0"/>
               <a:t>Writes a single character c to </a:t>
             </a:r>
             <a:r>
-              <a:rPr lang="en-US" altLang="zh-CN" sz="2000">
+              <a:rPr lang="en-US" altLang="zh-CN" sz="2000" dirty="0">
                 <a:latin typeface="Helvetica" panose="020B0604020202020204" pitchFamily="34" charset="0"/>
               </a:rPr>
               <a:t>“</a:t>
             </a:r>
             <a:r>
-              <a:rPr lang="en-US" altLang="zh-CN" sz="2000"/>
+              <a:rPr lang="en-US" altLang="zh-CN" sz="2000" dirty="0"/>
               <a:t>standard out</a:t>
             </a:r>
             <a:r>
-              <a:rPr lang="en-US" altLang="zh-CN" sz="2000">
+              <a:rPr lang="en-US" altLang="zh-CN" sz="2000" dirty="0">
                 <a:latin typeface="Helvetica" panose="020B0604020202020204" pitchFamily="34" charset="0"/>
               </a:rPr>
               <a:t>”</a:t>
             </a:r>
             <a:r>
-              <a:rPr lang="en-US" altLang="zh-CN" sz="2000"/>
-              <a:t> (stdout)</a:t>
+              <a:rPr lang="en-US" altLang="zh-CN" sz="2000" dirty="0"/>
+              <a:t> (</a:t>
+            </a:r>
+            <a:r>
+              <a:rPr lang="en-US" altLang="zh-CN" sz="2000" dirty="0" err="1"/>
+              <a:t>stdout</a:t>
+            </a:r>
+            <a:r>
+              <a:rPr lang="en-US" altLang="zh-CN" sz="2000" dirty="0"/>
+              <a:t>)</a:t>
             </a:r>
           </a:p>
           <a:p>
@@ -10210,13 +10287,31 @@
               </a:lnSpc>
             </a:pPr>
             <a:r>
-              <a:rPr lang="en-US" altLang="zh-CN" sz="2000" b="1">
-                <a:solidFill>
-                  <a:schemeClr val="folHlink"/>
-                </a:solidFill>
-                <a:latin typeface="Courier New" panose="02070309020205020404" pitchFamily="49" charset="0"/>
-              </a:rPr>
-              <a:t>int putchar(int c);</a:t>
+              <a:rPr lang="en-US" altLang="zh-CN" sz="2000" b="1" dirty="0">
+                <a:solidFill>
+                  <a:srgbClr val="0432FF"/>
+                </a:solidFill>
+                <a:latin typeface="Courier New" panose="02070309020205020404" pitchFamily="49" charset="0"/>
+              </a:rPr>
+              <a:t>int </a:t>
+            </a:r>
+            <a:r>
+              <a:rPr lang="en-US" altLang="zh-CN" sz="2000" b="1" dirty="0" err="1">
+                <a:solidFill>
+                  <a:srgbClr val="0432FF"/>
+                </a:solidFill>
+                <a:latin typeface="Courier New" panose="02070309020205020404" pitchFamily="49" charset="0"/>
+              </a:rPr>
+              <a:t>putchar</a:t>
+            </a:r>
+            <a:r>
+              <a:rPr lang="en-US" altLang="zh-CN" sz="2000" b="1" dirty="0">
+                <a:solidFill>
+                  <a:srgbClr val="0432FF"/>
+                </a:solidFill>
+                <a:latin typeface="Courier New" panose="02070309020205020404" pitchFamily="49" charset="0"/>
+              </a:rPr>
+              <a:t>(int c);</a:t>
             </a:r>
           </a:p>
         </p:txBody>
@@ -10303,13 +10398,31 @@
               <a:buNone/>
             </a:pPr>
             <a:r>
-              <a:rPr lang="en-US" altLang="zh-CN" sz="2000" b="1">
-                <a:solidFill>
-                  <a:schemeClr val="folHlink"/>
-                </a:solidFill>
-                <a:latin typeface="Courier New" panose="02070309020205020404" pitchFamily="49" charset="0"/>
-              </a:rPr>
-              <a:t>#include &lt;stdio.h&gt;</a:t>
+              <a:rPr lang="en-US" altLang="zh-CN" sz="2000" b="1" dirty="0">
+                <a:solidFill>
+                  <a:schemeClr val="folHlink"/>
+                </a:solidFill>
+                <a:latin typeface="Courier New" panose="02070309020205020404" pitchFamily="49" charset="0"/>
+              </a:rPr>
+              <a:t>#include &lt;</a:t>
+            </a:r>
+            <a:r>
+              <a:rPr lang="en-US" altLang="zh-CN" sz="2000" b="1" dirty="0" err="1">
+                <a:solidFill>
+                  <a:schemeClr val="folHlink"/>
+                </a:solidFill>
+                <a:latin typeface="Courier New" panose="02070309020205020404" pitchFamily="49" charset="0"/>
+              </a:rPr>
+              <a:t>stdio.h</a:t>
+            </a:r>
+            <a:r>
+              <a:rPr lang="en-US" altLang="zh-CN" sz="2000" b="1" dirty="0">
+                <a:solidFill>
+                  <a:schemeClr val="folHlink"/>
+                </a:solidFill>
+                <a:latin typeface="Courier New" panose="02070309020205020404" pitchFamily="49" charset="0"/>
+              </a:rPr>
+              <a:t>&gt;</a:t>
             </a:r>
           </a:p>
           <a:p>
@@ -10320,7 +10433,7 @@
               <a:buFont typeface="Wingdings" panose="05000000000000000000" pitchFamily="2" charset="2"/>
               <a:buNone/>
             </a:pPr>
-            <a:endParaRPr lang="en-US" altLang="zh-CN" sz="2000" b="1">
+            <a:endParaRPr lang="en-US" altLang="zh-CN" sz="2000" b="1" dirty="0">
               <a:solidFill>
                 <a:schemeClr val="folHlink"/>
               </a:solidFill>
@@ -10336,7 +10449,7 @@
               <a:buNone/>
             </a:pPr>
             <a:r>
-              <a:rPr lang="en-US" altLang="zh-CN" sz="2000" b="1">
+              <a:rPr lang="en-US" altLang="zh-CN" sz="2000" b="1" dirty="0">
                 <a:solidFill>
                   <a:schemeClr val="folHlink"/>
                 </a:solidFill>
@@ -10354,7 +10467,7 @@
               <a:buNone/>
             </a:pPr>
             <a:r>
-              <a:rPr lang="en-US" altLang="zh-CN" sz="2000" b="1">
+              <a:rPr lang="en-US" altLang="zh-CN" sz="2000" b="1" dirty="0">
                 <a:solidFill>
                   <a:schemeClr val="folHlink"/>
                 </a:solidFill>
@@ -10371,7 +10484,7 @@
               <a:buFont typeface="Wingdings" panose="05000000000000000000" pitchFamily="2" charset="2"/>
               <a:buNone/>
             </a:pPr>
-            <a:endParaRPr lang="en-US" altLang="zh-CN" sz="2000" b="1">
+            <a:endParaRPr lang="en-US" altLang="zh-CN" sz="2000" b="1" dirty="0">
               <a:latin typeface="Courier New" panose="02070309020205020404" pitchFamily="49" charset="0"/>
             </a:endParaRPr>
           </a:p>
@@ -10383,7 +10496,7 @@
               <a:buFont typeface="Wingdings" panose="05000000000000000000" pitchFamily="2" charset="2"/>
               <a:buNone/>
             </a:pPr>
-            <a:endParaRPr lang="en-US" altLang="zh-CN" sz="2000" b="1">
+            <a:endParaRPr lang="en-US" altLang="zh-CN" sz="2000" b="1" dirty="0">
               <a:latin typeface="Courier New" panose="02070309020205020404" pitchFamily="49" charset="0"/>
             </a:endParaRPr>
           </a:p>
@@ -10396,19 +10509,37 @@
               <a:buNone/>
             </a:pPr>
             <a:r>
-              <a:rPr lang="en-US" altLang="zh-CN" sz="2000" b="1">
+              <a:rPr lang="en-US" altLang="zh-CN" sz="2000" b="1" dirty="0">
                 <a:latin typeface="Courier New" panose="02070309020205020404" pitchFamily="49" charset="0"/>
               </a:rPr>
               <a:t>  </a:t>
             </a:r>
             <a:r>
-              <a:rPr lang="en-US" altLang="zh-CN" sz="2000" b="1">
+              <a:rPr lang="en-US" altLang="zh-CN" sz="2000" b="1" dirty="0">
                 <a:solidFill>
                   <a:schemeClr val="hlink"/>
                 </a:solidFill>
                 <a:latin typeface="Courier New" panose="02070309020205020404" pitchFamily="49" charset="0"/>
               </a:rPr>
-              <a:t>c = getchar ();</a:t>
+              <a:t>c = </a:t>
+            </a:r>
+            <a:r>
+              <a:rPr lang="en-US" altLang="zh-CN" sz="2000" b="1" dirty="0" err="1">
+                <a:solidFill>
+                  <a:schemeClr val="hlink"/>
+                </a:solidFill>
+                <a:latin typeface="Courier New" panose="02070309020205020404" pitchFamily="49" charset="0"/>
+              </a:rPr>
+              <a:t>getchar</a:t>
+            </a:r>
+            <a:r>
+              <a:rPr lang="en-US" altLang="zh-CN" sz="2000" b="1" dirty="0">
+                <a:solidFill>
+                  <a:schemeClr val="hlink"/>
+                </a:solidFill>
+                <a:latin typeface="Courier New" panose="02070309020205020404" pitchFamily="49" charset="0"/>
+              </a:rPr>
+              <a:t>();</a:t>
             </a:r>
           </a:p>
           <a:p>
@@ -10420,13 +10551,31 @@
               <a:buNone/>
             </a:pPr>
             <a:r>
-              <a:rPr lang="en-US" altLang="zh-CN" sz="2000" b="1">
+              <a:rPr lang="en-US" altLang="zh-CN" sz="2000" b="1" dirty="0">
                 <a:solidFill>
                   <a:schemeClr val="hlink"/>
                 </a:solidFill>
                 <a:latin typeface="Courier New" panose="02070309020205020404" pitchFamily="49" charset="0"/>
               </a:rPr>
-              <a:t>	putchar (c);</a:t>
+              <a:t>	</a:t>
+            </a:r>
+            <a:r>
+              <a:rPr lang="en-US" altLang="zh-CN" sz="2000" b="1" dirty="0" err="1">
+                <a:solidFill>
+                  <a:schemeClr val="hlink"/>
+                </a:solidFill>
+                <a:latin typeface="Courier New" panose="02070309020205020404" pitchFamily="49" charset="0"/>
+              </a:rPr>
+              <a:t>putchar</a:t>
+            </a:r>
+            <a:r>
+              <a:rPr lang="en-US" altLang="zh-CN" sz="2000" b="1" dirty="0">
+                <a:solidFill>
+                  <a:schemeClr val="hlink"/>
+                </a:solidFill>
+                <a:latin typeface="Courier New" panose="02070309020205020404" pitchFamily="49" charset="0"/>
+              </a:rPr>
+              <a:t>(c);</a:t>
             </a:r>
           </a:p>
           <a:p>
@@ -10437,7 +10586,7 @@
               <a:buFont typeface="Wingdings" panose="05000000000000000000" pitchFamily="2" charset="2"/>
               <a:buNone/>
             </a:pPr>
-            <a:endParaRPr lang="en-US" altLang="zh-CN" sz="2000" b="1">
+            <a:endParaRPr lang="en-US" altLang="zh-CN" sz="2000" b="1" dirty="0">
               <a:latin typeface="Courier New" panose="02070309020205020404" pitchFamily="49" charset="0"/>
             </a:endParaRPr>
           </a:p>
@@ -10449,7 +10598,7 @@
               <a:buFont typeface="Wingdings" panose="05000000000000000000" pitchFamily="2" charset="2"/>
               <a:buNone/>
             </a:pPr>
-            <a:endParaRPr lang="en-US" altLang="zh-CN" sz="2000" b="1">
+            <a:endParaRPr lang="en-US" altLang="zh-CN" sz="2000" b="1" dirty="0">
               <a:latin typeface="Courier New" panose="02070309020205020404" pitchFamily="49" charset="0"/>
             </a:endParaRPr>
           </a:p>
@@ -10462,13 +10611,13 @@
               <a:buNone/>
             </a:pPr>
             <a:r>
-              <a:rPr lang="en-US" altLang="zh-CN" sz="2000" b="1">
+              <a:rPr lang="en-US" altLang="zh-CN" sz="2000" b="1" dirty="0">
                 <a:latin typeface="Courier New" panose="02070309020205020404" pitchFamily="49" charset="0"/>
               </a:rPr>
               <a:t>  </a:t>
             </a:r>
             <a:r>
-              <a:rPr lang="en-US" altLang="zh-CN" sz="2000" b="1">
+              <a:rPr lang="en-US" altLang="zh-CN" sz="2000" b="1" dirty="0">
                 <a:solidFill>
                   <a:schemeClr val="folHlink"/>
                 </a:solidFill>
@@ -10486,7 +10635,7 @@
               <a:buNone/>
             </a:pPr>
             <a:r>
-              <a:rPr lang="en-US" altLang="zh-CN" sz="2000" b="1">
+              <a:rPr lang="en-US" altLang="zh-CN" sz="2000" b="1" dirty="0">
                 <a:solidFill>
                   <a:schemeClr val="folHlink"/>
                 </a:solidFill>
@@ -10500,7 +10649,7 @@
               <a:buFont typeface="Wingdings" panose="05000000000000000000" pitchFamily="2" charset="2"/>
               <a:buNone/>
             </a:pPr>
-            <a:endParaRPr lang="en-US" altLang="zh-CN" sz="2000" b="1">
+            <a:endParaRPr lang="en-US" altLang="zh-CN" sz="2000" b="1" dirty="0">
               <a:solidFill>
                 <a:schemeClr val="folHlink"/>
               </a:solidFill>
@@ -10591,13 +10740,31 @@
               <a:buNone/>
             </a:pPr>
             <a:r>
-              <a:rPr lang="en-US" altLang="zh-CN" sz="2000" b="1">
-                <a:solidFill>
-                  <a:schemeClr val="folHlink"/>
-                </a:solidFill>
-                <a:latin typeface="Courier New" panose="02070309020205020404" pitchFamily="49" charset="0"/>
-              </a:rPr>
-              <a:t>#include &lt;stdio.h&gt;</a:t>
+              <a:rPr lang="en-US" altLang="zh-CN" sz="2000" b="1" dirty="0">
+                <a:solidFill>
+                  <a:schemeClr val="folHlink"/>
+                </a:solidFill>
+                <a:latin typeface="Courier New" panose="02070309020205020404" pitchFamily="49" charset="0"/>
+              </a:rPr>
+              <a:t>#include &lt;</a:t>
+            </a:r>
+            <a:r>
+              <a:rPr lang="en-US" altLang="zh-CN" sz="2000" b="1" dirty="0" err="1">
+                <a:solidFill>
+                  <a:schemeClr val="folHlink"/>
+                </a:solidFill>
+                <a:latin typeface="Courier New" panose="02070309020205020404" pitchFamily="49" charset="0"/>
+              </a:rPr>
+              <a:t>stdio.h</a:t>
+            </a:r>
+            <a:r>
+              <a:rPr lang="en-US" altLang="zh-CN" sz="2000" b="1" dirty="0">
+                <a:solidFill>
+                  <a:schemeClr val="folHlink"/>
+                </a:solidFill>
+                <a:latin typeface="Courier New" panose="02070309020205020404" pitchFamily="49" charset="0"/>
+              </a:rPr>
+              <a:t>&gt;</a:t>
             </a:r>
           </a:p>
           <a:p>
@@ -10608,7 +10775,7 @@
               <a:buFont typeface="Wingdings" panose="05000000000000000000" pitchFamily="2" charset="2"/>
               <a:buNone/>
             </a:pPr>
-            <a:endParaRPr lang="en-US" altLang="zh-CN" sz="2000" b="1">
+            <a:endParaRPr lang="en-US" altLang="zh-CN" sz="2000" b="1" dirty="0">
               <a:solidFill>
                 <a:schemeClr val="folHlink"/>
               </a:solidFill>
@@ -10624,7 +10791,7 @@
               <a:buNone/>
             </a:pPr>
             <a:r>
-              <a:rPr lang="en-US" altLang="zh-CN" sz="2000" b="1">
+              <a:rPr lang="en-US" altLang="zh-CN" sz="2000" b="1" dirty="0">
                 <a:solidFill>
                   <a:schemeClr val="folHlink"/>
                 </a:solidFill>
@@ -10642,7 +10809,7 @@
               <a:buNone/>
             </a:pPr>
             <a:r>
-              <a:rPr lang="en-US" altLang="zh-CN" sz="2000" b="1">
+              <a:rPr lang="en-US" altLang="zh-CN" sz="2000" b="1" dirty="0">
                 <a:solidFill>
                   <a:schemeClr val="folHlink"/>
                 </a:solidFill>
@@ -10660,13 +10827,31 @@
               <a:buNone/>
             </a:pPr>
             <a:r>
-              <a:rPr lang="en-US" altLang="zh-CN" sz="2000" b="1">
-                <a:solidFill>
-                  <a:schemeClr val="folHlink"/>
-                </a:solidFill>
-                <a:latin typeface="Courier New" panose="02070309020205020404" pitchFamily="49" charset="0"/>
-              </a:rPr>
-              <a:t>  int i;</a:t>
+              <a:rPr lang="en-US" altLang="zh-CN" sz="2000" b="1" dirty="0">
+                <a:solidFill>
+                  <a:schemeClr val="folHlink"/>
+                </a:solidFill>
+                <a:latin typeface="Courier New" panose="02070309020205020404" pitchFamily="49" charset="0"/>
+              </a:rPr>
+              <a:t>  int </a:t>
+            </a:r>
+            <a:r>
+              <a:rPr lang="en-US" altLang="zh-CN" sz="2000" b="1" dirty="0" err="1">
+                <a:solidFill>
+                  <a:schemeClr val="folHlink"/>
+                </a:solidFill>
+                <a:latin typeface="Courier New" panose="02070309020205020404" pitchFamily="49" charset="0"/>
+              </a:rPr>
+              <a:t>i</a:t>
+            </a:r>
+            <a:r>
+              <a:rPr lang="en-US" altLang="zh-CN" sz="2000" b="1" dirty="0">
+                <a:solidFill>
+                  <a:schemeClr val="folHlink"/>
+                </a:solidFill>
+                <a:latin typeface="Courier New" panose="02070309020205020404" pitchFamily="49" charset="0"/>
+              </a:rPr>
+              <a:t>;</a:t>
             </a:r>
           </a:p>
           <a:p>
@@ -10677,7 +10862,7 @@
               <a:buFont typeface="Wingdings" panose="05000000000000000000" pitchFamily="2" charset="2"/>
               <a:buNone/>
             </a:pPr>
-            <a:endParaRPr lang="en-US" altLang="zh-CN" sz="2000" b="1">
+            <a:endParaRPr lang="en-US" altLang="zh-CN" sz="2000" b="1" dirty="0">
               <a:latin typeface="Courier New" panose="02070309020205020404" pitchFamily="49" charset="0"/>
             </a:endParaRPr>
           </a:p>
@@ -10690,19 +10875,73 @@
               <a:buNone/>
             </a:pPr>
             <a:r>
-              <a:rPr lang="en-US" altLang="zh-CN" sz="2000" b="1">
+              <a:rPr lang="en-US" altLang="zh-CN" sz="2000" b="1" dirty="0">
                 <a:latin typeface="Courier New" panose="02070309020205020404" pitchFamily="49" charset="0"/>
               </a:rPr>
               <a:t>  </a:t>
             </a:r>
             <a:r>
-              <a:rPr lang="en-US" altLang="zh-CN" sz="2000" b="1">
+              <a:rPr lang="en-US" altLang="zh-CN" sz="2000" b="1" dirty="0">
                 <a:solidFill>
                   <a:schemeClr val="hlink"/>
                 </a:solidFill>
                 <a:latin typeface="Courier New" panose="02070309020205020404" pitchFamily="49" charset="0"/>
               </a:rPr>
-              <a:t>for (i=0; i&lt;10; i++) {</a:t>
+              <a:t>for(</a:t>
+            </a:r>
+            <a:r>
+              <a:rPr lang="en-US" altLang="zh-CN" sz="2000" b="1" dirty="0" err="1">
+                <a:solidFill>
+                  <a:schemeClr val="hlink"/>
+                </a:solidFill>
+                <a:latin typeface="Courier New" panose="02070309020205020404" pitchFamily="49" charset="0"/>
+              </a:rPr>
+              <a:t>i</a:t>
+            </a:r>
+            <a:r>
+              <a:rPr lang="en-US" altLang="zh-CN" sz="2000" b="1" dirty="0">
+                <a:solidFill>
+                  <a:schemeClr val="hlink"/>
+                </a:solidFill>
+                <a:latin typeface="Courier New" panose="02070309020205020404" pitchFamily="49" charset="0"/>
+              </a:rPr>
+              <a:t>=0; </a:t>
+            </a:r>
+            <a:r>
+              <a:rPr lang="en-US" altLang="zh-CN" sz="2000" b="1" dirty="0" err="1">
+                <a:solidFill>
+                  <a:schemeClr val="hlink"/>
+                </a:solidFill>
+                <a:latin typeface="Courier New" panose="02070309020205020404" pitchFamily="49" charset="0"/>
+              </a:rPr>
+              <a:t>i</a:t>
+            </a:r>
+            <a:r>
+              <a:rPr lang="en-US" altLang="zh-CN" sz="2000" b="1" dirty="0">
+                <a:solidFill>
+                  <a:schemeClr val="hlink"/>
+                </a:solidFill>
+                <a:latin typeface="Courier New" panose="02070309020205020404" pitchFamily="49" charset="0"/>
+              </a:rPr>
+              <a:t>&lt;10; </a:t>
+            </a:r>
+            <a:r>
+              <a:rPr lang="en-US" altLang="zh-CN" sz="2000" b="1" dirty="0" err="1">
+                <a:solidFill>
+                  <a:schemeClr val="hlink"/>
+                </a:solidFill>
+                <a:latin typeface="Courier New" panose="02070309020205020404" pitchFamily="49" charset="0"/>
+              </a:rPr>
+              <a:t>i</a:t>
+            </a:r>
+            <a:r>
+              <a:rPr lang="en-US" altLang="zh-CN" sz="2000" b="1" dirty="0">
+                <a:solidFill>
+                  <a:schemeClr val="hlink"/>
+                </a:solidFill>
+                <a:latin typeface="Courier New" panose="02070309020205020404" pitchFamily="49" charset="0"/>
+              </a:rPr>
+              <a:t>++){</a:t>
             </a:r>
           </a:p>
           <a:p>
@@ -10713,7 +10952,7 @@
               <a:buFont typeface="Wingdings" panose="05000000000000000000" pitchFamily="2" charset="2"/>
               <a:buNone/>
             </a:pPr>
-            <a:endParaRPr lang="en-US" altLang="zh-CN" sz="2000" b="1">
+            <a:endParaRPr lang="en-US" altLang="zh-CN" sz="2000" b="1" dirty="0">
               <a:latin typeface="Courier New" panose="02070309020205020404" pitchFamily="49" charset="0"/>
             </a:endParaRPr>
           </a:p>
@@ -10726,19 +10965,37 @@
               <a:buNone/>
             </a:pPr>
             <a:r>
-              <a:rPr lang="en-US" altLang="zh-CN" sz="2000" b="1">
+              <a:rPr lang="en-US" altLang="zh-CN" sz="2000" b="1" dirty="0">
                 <a:latin typeface="Courier New" panose="02070309020205020404" pitchFamily="49" charset="0"/>
               </a:rPr>
               <a:t>  	  </a:t>
             </a:r>
             <a:r>
-              <a:rPr lang="en-US" altLang="zh-CN" sz="2000" b="1">
-                <a:solidFill>
-                  <a:schemeClr val="folHlink"/>
-                </a:solidFill>
-                <a:latin typeface="Courier New" panose="02070309020205020404" pitchFamily="49" charset="0"/>
-              </a:rPr>
-              <a:t>c = getchar();</a:t>
+              <a:rPr lang="en-US" altLang="zh-CN" sz="2000" b="1" dirty="0">
+                <a:solidFill>
+                  <a:schemeClr val="folHlink"/>
+                </a:solidFill>
+                <a:latin typeface="Courier New" panose="02070309020205020404" pitchFamily="49" charset="0"/>
+              </a:rPr>
+              <a:t>c = </a:t>
+            </a:r>
+            <a:r>
+              <a:rPr lang="en-US" altLang="zh-CN" sz="2000" b="1" dirty="0" err="1">
+                <a:solidFill>
+                  <a:schemeClr val="folHlink"/>
+                </a:solidFill>
+                <a:latin typeface="Courier New" panose="02070309020205020404" pitchFamily="49" charset="0"/>
+              </a:rPr>
+              <a:t>getchar</a:t>
+            </a:r>
+            <a:r>
+              <a:rPr lang="en-US" altLang="zh-CN" sz="2000" b="1" dirty="0">
+                <a:solidFill>
+                  <a:schemeClr val="folHlink"/>
+                </a:solidFill>
+                <a:latin typeface="Courier New" panose="02070309020205020404" pitchFamily="49" charset="0"/>
+              </a:rPr>
+              <a:t>();</a:t>
             </a:r>
           </a:p>
           <a:p>
@@ -10750,13 +11007,31 @@
               <a:buNone/>
             </a:pPr>
             <a:r>
-              <a:rPr lang="en-US" altLang="zh-CN" sz="2000" b="1">
-                <a:solidFill>
-                  <a:schemeClr val="folHlink"/>
-                </a:solidFill>
-                <a:latin typeface="Courier New" panose="02070309020205020404" pitchFamily="49" charset="0"/>
-              </a:rPr>
-              <a:t>	  putchar (c);</a:t>
+              <a:rPr lang="en-US" altLang="zh-CN" sz="2000" b="1" dirty="0">
+                <a:solidFill>
+                  <a:schemeClr val="folHlink"/>
+                </a:solidFill>
+                <a:latin typeface="Courier New" panose="02070309020205020404" pitchFamily="49" charset="0"/>
+              </a:rPr>
+              <a:t>	  </a:t>
+            </a:r>
+            <a:r>
+              <a:rPr lang="en-US" altLang="zh-CN" sz="2000" b="1" dirty="0" err="1">
+                <a:solidFill>
+                  <a:schemeClr val="folHlink"/>
+                </a:solidFill>
+                <a:latin typeface="Courier New" panose="02070309020205020404" pitchFamily="49" charset="0"/>
+              </a:rPr>
+              <a:t>putchar</a:t>
+            </a:r>
+            <a:r>
+              <a:rPr lang="en-US" altLang="zh-CN" sz="2000" b="1" dirty="0">
+                <a:solidFill>
+                  <a:schemeClr val="folHlink"/>
+                </a:solidFill>
+                <a:latin typeface="Courier New" panose="02070309020205020404" pitchFamily="49" charset="0"/>
+              </a:rPr>
+              <a:t>(c);</a:t>
             </a:r>
           </a:p>
           <a:p>
@@ -10768,13 +11043,13 @@
               <a:buNone/>
             </a:pPr>
             <a:r>
-              <a:rPr lang="en-US" altLang="zh-CN" sz="2000" b="1">
+              <a:rPr lang="en-US" altLang="zh-CN" sz="2000" b="1" dirty="0">
                 <a:latin typeface="Courier New" panose="02070309020205020404" pitchFamily="49" charset="0"/>
               </a:rPr>
               <a:t>	</a:t>
             </a:r>
             <a:r>
-              <a:rPr lang="en-US" altLang="zh-CN" sz="2000" b="1">
+              <a:rPr lang="en-US" altLang="zh-CN" sz="2000" b="1" dirty="0">
                 <a:solidFill>
                   <a:schemeClr val="hlink"/>
                 </a:solidFill>
@@ -10791,7 +11066,7 @@
               <a:buFont typeface="Wingdings" panose="05000000000000000000" pitchFamily="2" charset="2"/>
               <a:buNone/>
             </a:pPr>
-            <a:endParaRPr lang="en-US" altLang="zh-CN" sz="2000" b="1">
+            <a:endParaRPr lang="en-US" altLang="zh-CN" sz="2000" b="1" dirty="0">
               <a:latin typeface="Courier New" panose="02070309020205020404" pitchFamily="49" charset="0"/>
             </a:endParaRPr>
           </a:p>
@@ -10803,7 +11078,7 @@
               <a:buFont typeface="Wingdings" panose="05000000000000000000" pitchFamily="2" charset="2"/>
               <a:buNone/>
             </a:pPr>
-            <a:endParaRPr lang="en-US" altLang="zh-CN" sz="2000" b="1">
+            <a:endParaRPr lang="en-US" altLang="zh-CN" sz="2000" b="1" dirty="0">
               <a:latin typeface="Courier New" panose="02070309020205020404" pitchFamily="49" charset="0"/>
             </a:endParaRPr>
           </a:p>
@@ -10816,13 +11091,13 @@
               <a:buNone/>
             </a:pPr>
             <a:r>
-              <a:rPr lang="en-US" altLang="zh-CN" sz="2000" b="1">
+              <a:rPr lang="en-US" altLang="zh-CN" sz="2000" b="1" dirty="0">
                 <a:latin typeface="Courier New" panose="02070309020205020404" pitchFamily="49" charset="0"/>
               </a:rPr>
               <a:t>  </a:t>
             </a:r>
             <a:r>
-              <a:rPr lang="en-US" altLang="zh-CN" sz="2000" b="1">
+              <a:rPr lang="en-US" altLang="zh-CN" sz="2000" b="1" dirty="0">
                 <a:solidFill>
                   <a:schemeClr val="folHlink"/>
                 </a:solidFill>
@@ -10840,7 +11115,7 @@
               <a:buNone/>
             </a:pPr>
             <a:r>
-              <a:rPr lang="en-US" altLang="zh-CN" sz="2000" b="1">
+              <a:rPr lang="en-US" altLang="zh-CN" sz="2000" b="1" dirty="0">
                 <a:solidFill>
                   <a:schemeClr val="folHlink"/>
                 </a:solidFill>
@@ -10938,13 +11213,31 @@
               <a:buNone/>
             </a:pPr>
             <a:r>
-              <a:rPr lang="en-US" altLang="zh-CN" sz="2000" b="1">
-                <a:solidFill>
-                  <a:schemeClr val="folHlink"/>
-                </a:solidFill>
-                <a:latin typeface="Courier New" panose="02070309020205020404" pitchFamily="49" charset="0"/>
-              </a:rPr>
-              <a:t>#include &lt;stdio.h&gt;</a:t>
+              <a:rPr lang="en-US" altLang="zh-CN" sz="2000" b="1" dirty="0">
+                <a:solidFill>
+                  <a:schemeClr val="folHlink"/>
+                </a:solidFill>
+                <a:latin typeface="Courier New" panose="02070309020205020404" pitchFamily="49" charset="0"/>
+              </a:rPr>
+              <a:t>#include &lt;</a:t>
+            </a:r>
+            <a:r>
+              <a:rPr lang="en-US" altLang="zh-CN" sz="2000" b="1" dirty="0" err="1">
+                <a:solidFill>
+                  <a:schemeClr val="folHlink"/>
+                </a:solidFill>
+                <a:latin typeface="Courier New" panose="02070309020205020404" pitchFamily="49" charset="0"/>
+              </a:rPr>
+              <a:t>stdio.h</a:t>
+            </a:r>
+            <a:r>
+              <a:rPr lang="en-US" altLang="zh-CN" sz="2000" b="1" dirty="0">
+                <a:solidFill>
+                  <a:schemeClr val="folHlink"/>
+                </a:solidFill>
+                <a:latin typeface="Courier New" panose="02070309020205020404" pitchFamily="49" charset="0"/>
+              </a:rPr>
+              <a:t>&gt;</a:t>
             </a:r>
           </a:p>
           <a:p>
@@ -10955,7 +11248,7 @@
               <a:buFont typeface="Wingdings" panose="05000000000000000000" pitchFamily="2" charset="2"/>
               <a:buNone/>
             </a:pPr>
-            <a:endParaRPr lang="en-US" altLang="zh-CN" sz="2000" b="1">
+            <a:endParaRPr lang="en-US" altLang="zh-CN" sz="2000" b="1" dirty="0">
               <a:solidFill>
                 <a:schemeClr val="folHlink"/>
               </a:solidFill>
@@ -10971,7 +11264,7 @@
               <a:buNone/>
             </a:pPr>
             <a:r>
-              <a:rPr lang="en-US" altLang="zh-CN" sz="2000" b="1">
+              <a:rPr lang="en-US" altLang="zh-CN" sz="2000" b="1" dirty="0">
                 <a:solidFill>
                   <a:schemeClr val="folHlink"/>
                 </a:solidFill>
@@ -10989,7 +11282,7 @@
               <a:buNone/>
             </a:pPr>
             <a:r>
-              <a:rPr lang="en-US" altLang="zh-CN" sz="2000" b="1">
+              <a:rPr lang="en-US" altLang="zh-CN" sz="2000" b="1" dirty="0">
                 <a:solidFill>
                   <a:schemeClr val="folHlink"/>
                 </a:solidFill>
@@ -11007,7 +11300,7 @@
               <a:buNone/>
             </a:pPr>
             <a:r>
-              <a:rPr lang="en-US" altLang="zh-CN" sz="2000" b="1">
+              <a:rPr lang="en-US" altLang="zh-CN" sz="2000" b="1" dirty="0">
                 <a:solidFill>
                   <a:schemeClr val="folHlink"/>
                 </a:solidFill>
@@ -11025,13 +11318,13 @@
               <a:buNone/>
             </a:pPr>
             <a:r>
-              <a:rPr lang="en-US" altLang="zh-CN" sz="2000" b="1">
+              <a:rPr lang="en-US" altLang="zh-CN" sz="2000" b="1" dirty="0">
                 <a:latin typeface="Courier New" panose="02070309020205020404" pitchFamily="49" charset="0"/>
               </a:rPr>
               <a:t>  </a:t>
             </a:r>
             <a:r>
-              <a:rPr lang="en-US" altLang="zh-CN" sz="2000" b="1">
+              <a:rPr lang="en-US" altLang="zh-CN" sz="2000" b="1" dirty="0">
                 <a:solidFill>
                   <a:schemeClr val="hlink"/>
                 </a:solidFill>
@@ -11048,7 +11341,7 @@
               <a:buFont typeface="Wingdings" panose="05000000000000000000" pitchFamily="2" charset="2"/>
               <a:buNone/>
             </a:pPr>
-            <a:endParaRPr lang="en-US" altLang="zh-CN" sz="2000" b="1">
+            <a:endParaRPr lang="en-US" altLang="zh-CN" sz="2000" b="1" dirty="0">
               <a:latin typeface="Courier New" panose="02070309020205020404" pitchFamily="49" charset="0"/>
             </a:endParaRPr>
           </a:p>
@@ -11061,19 +11354,37 @@
               <a:buNone/>
             </a:pPr>
             <a:r>
-              <a:rPr lang="en-US" altLang="zh-CN" sz="2000" b="1">
+              <a:rPr lang="en-US" altLang="zh-CN" sz="2000" b="1" dirty="0">
                 <a:latin typeface="Courier New" panose="02070309020205020404" pitchFamily="49" charset="0"/>
               </a:rPr>
               <a:t>  	  </a:t>
             </a:r>
             <a:r>
-              <a:rPr lang="en-US" altLang="zh-CN" sz="2000" b="1">
-                <a:solidFill>
-                  <a:schemeClr val="folHlink"/>
-                </a:solidFill>
-                <a:latin typeface="Courier New" panose="02070309020205020404" pitchFamily="49" charset="0"/>
-              </a:rPr>
-              <a:t>c = getchar ();</a:t>
+              <a:rPr lang="en-US" altLang="zh-CN" sz="2000" b="1" dirty="0">
+                <a:solidFill>
+                  <a:schemeClr val="folHlink"/>
+                </a:solidFill>
+                <a:latin typeface="Courier New" panose="02070309020205020404" pitchFamily="49" charset="0"/>
+              </a:rPr>
+              <a:t>c = </a:t>
+            </a:r>
+            <a:r>
+              <a:rPr lang="en-US" altLang="zh-CN" sz="2000" b="1" dirty="0" err="1">
+                <a:solidFill>
+                  <a:schemeClr val="folHlink"/>
+                </a:solidFill>
+                <a:latin typeface="Courier New" panose="02070309020205020404" pitchFamily="49" charset="0"/>
+              </a:rPr>
+              <a:t>getchar</a:t>
+            </a:r>
+            <a:r>
+              <a:rPr lang="en-US" altLang="zh-CN" sz="2000" b="1" dirty="0">
+                <a:solidFill>
+                  <a:schemeClr val="folHlink"/>
+                </a:solidFill>
+                <a:latin typeface="Courier New" panose="02070309020205020404" pitchFamily="49" charset="0"/>
+              </a:rPr>
+              <a:t>();</a:t>
             </a:r>
           </a:p>
           <a:p>
@@ -11085,13 +11396,31 @@
               <a:buNone/>
             </a:pPr>
             <a:r>
-              <a:rPr lang="en-US" altLang="zh-CN" sz="2000" b="1">
-                <a:solidFill>
-                  <a:schemeClr val="folHlink"/>
-                </a:solidFill>
-                <a:latin typeface="Courier New" panose="02070309020205020404" pitchFamily="49" charset="0"/>
-              </a:rPr>
-              <a:t>	  putchar (c);</a:t>
+              <a:rPr lang="en-US" altLang="zh-CN" sz="2000" b="1" dirty="0">
+                <a:solidFill>
+                  <a:schemeClr val="folHlink"/>
+                </a:solidFill>
+                <a:latin typeface="Courier New" panose="02070309020205020404" pitchFamily="49" charset="0"/>
+              </a:rPr>
+              <a:t>	  </a:t>
+            </a:r>
+            <a:r>
+              <a:rPr lang="en-US" altLang="zh-CN" sz="2000" b="1" dirty="0" err="1">
+                <a:solidFill>
+                  <a:schemeClr val="folHlink"/>
+                </a:solidFill>
+                <a:latin typeface="Courier New" panose="02070309020205020404" pitchFamily="49" charset="0"/>
+              </a:rPr>
+              <a:t>putchar</a:t>
+            </a:r>
+            <a:r>
+              <a:rPr lang="en-US" altLang="zh-CN" sz="2000" b="1" dirty="0">
+                <a:solidFill>
+                  <a:schemeClr val="folHlink"/>
+                </a:solidFill>
+                <a:latin typeface="Courier New" panose="02070309020205020404" pitchFamily="49" charset="0"/>
+              </a:rPr>
+              <a:t>(c);</a:t>
             </a:r>
           </a:p>
           <a:p>
@@ -11103,13 +11432,13 @@
               <a:buNone/>
             </a:pPr>
             <a:r>
-              <a:rPr lang="en-US" altLang="zh-CN" sz="2000" b="1">
+              <a:rPr lang="en-US" altLang="zh-CN" sz="2000" b="1" dirty="0">
                 <a:latin typeface="Courier New" panose="02070309020205020404" pitchFamily="49" charset="0"/>
               </a:rPr>
               <a:t>	</a:t>
             </a:r>
             <a:r>
-              <a:rPr lang="en-US" altLang="zh-CN" sz="2000" b="1">
+              <a:rPr lang="en-US" altLang="zh-CN" sz="2000" b="1" dirty="0">
                 <a:solidFill>
                   <a:schemeClr val="hlink"/>
                 </a:solidFill>
@@ -11126,7 +11455,7 @@
               <a:buFont typeface="Wingdings" panose="05000000000000000000" pitchFamily="2" charset="2"/>
               <a:buNone/>
             </a:pPr>
-            <a:endParaRPr lang="en-US" altLang="zh-CN" sz="2000" b="1">
+            <a:endParaRPr lang="en-US" altLang="zh-CN" sz="2000" b="1" dirty="0">
               <a:latin typeface="Courier New" panose="02070309020205020404" pitchFamily="49" charset="0"/>
             </a:endParaRPr>
           </a:p>
@@ -11138,7 +11467,7 @@
               <a:buFont typeface="Wingdings" panose="05000000000000000000" pitchFamily="2" charset="2"/>
               <a:buNone/>
             </a:pPr>
-            <a:endParaRPr lang="en-US" altLang="zh-CN" sz="2000" b="1">
+            <a:endParaRPr lang="en-US" altLang="zh-CN" sz="2000" b="1" dirty="0">
               <a:latin typeface="Courier New" panose="02070309020205020404" pitchFamily="49" charset="0"/>
             </a:endParaRPr>
           </a:p>
@@ -11151,13 +11480,13 @@
               <a:buNone/>
             </a:pPr>
             <a:r>
-              <a:rPr lang="en-US" altLang="zh-CN" sz="2000" b="1">
+              <a:rPr lang="en-US" altLang="zh-CN" sz="2000" b="1" dirty="0">
                 <a:latin typeface="Courier New" panose="02070309020205020404" pitchFamily="49" charset="0"/>
               </a:rPr>
               <a:t>  </a:t>
             </a:r>
             <a:r>
-              <a:rPr lang="en-US" altLang="zh-CN" sz="2000" b="1">
+              <a:rPr lang="en-US" altLang="zh-CN" sz="2000" b="1" dirty="0">
                 <a:solidFill>
                   <a:schemeClr val="folHlink"/>
                 </a:solidFill>
@@ -11175,7 +11504,7 @@
               <a:buNone/>
             </a:pPr>
             <a:r>
-              <a:rPr lang="en-US" altLang="zh-CN" sz="2000" b="1">
+              <a:rPr lang="en-US" altLang="zh-CN" sz="2000" b="1" dirty="0">
                 <a:solidFill>
                   <a:schemeClr val="folHlink"/>
                 </a:solidFill>
@@ -11357,7 +11686,7 @@
               <a:buNone/>
             </a:pPr>
             <a:r>
-              <a:rPr lang="en-US" altLang="zh-CN" sz="2000" b="1">
+              <a:rPr lang="en-US" altLang="zh-CN" sz="2000" b="1" dirty="0">
                 <a:latin typeface="Courier New" panose="02070309020205020404" pitchFamily="49" charset="0"/>
               </a:rPr>
               <a:t>// or a while version</a:t>
@@ -11379,13 +11708,31 @@
               <a:buNone/>
             </a:pPr>
             <a:r>
-              <a:rPr lang="en-US" altLang="zh-CN" sz="2000" b="1">
-                <a:solidFill>
-                  <a:schemeClr val="folHlink"/>
-                </a:solidFill>
-                <a:latin typeface="Courier New" panose="02070309020205020404" pitchFamily="49" charset="0"/>
-              </a:rPr>
-              <a:t>#include &lt;stdio.h&gt;</a:t>
+              <a:rPr lang="en-US" altLang="zh-CN" sz="2000" b="1" dirty="0">
+                <a:solidFill>
+                  <a:schemeClr val="folHlink"/>
+                </a:solidFill>
+                <a:latin typeface="Courier New" panose="02070309020205020404" pitchFamily="49" charset="0"/>
+              </a:rPr>
+              <a:t>#include &lt;</a:t>
+            </a:r>
+            <a:r>
+              <a:rPr lang="en-US" altLang="zh-CN" sz="2000" b="1" dirty="0" err="1">
+                <a:solidFill>
+                  <a:schemeClr val="folHlink"/>
+                </a:solidFill>
+                <a:latin typeface="Courier New" panose="02070309020205020404" pitchFamily="49" charset="0"/>
+              </a:rPr>
+              <a:t>stdio.h</a:t>
+            </a:r>
+            <a:r>
+              <a:rPr lang="en-US" altLang="zh-CN" sz="2000" b="1" dirty="0">
+                <a:solidFill>
+                  <a:schemeClr val="folHlink"/>
+                </a:solidFill>
+                <a:latin typeface="Courier New" panose="02070309020205020404" pitchFamily="49" charset="0"/>
+              </a:rPr>
+              <a:t>&gt;</a:t>
             </a:r>
           </a:p>
           <a:p>
@@ -11403,7 +11750,7 @@
               <a:buFont typeface="Wingdings" panose="05000000000000000000" pitchFamily="2" charset="2"/>
               <a:buNone/>
             </a:pPr>
-            <a:endParaRPr lang="en-US" altLang="zh-CN" sz="2000" b="1">
+            <a:endParaRPr lang="en-US" altLang="zh-CN" sz="2000" b="1" dirty="0">
               <a:solidFill>
                 <a:schemeClr val="folHlink"/>
               </a:solidFill>
@@ -11426,7 +11773,7 @@
               <a:buNone/>
             </a:pPr>
             <a:r>
-              <a:rPr lang="en-US" altLang="zh-CN" sz="2000" b="1">
+              <a:rPr lang="en-US" altLang="zh-CN" sz="2000" b="1" dirty="0">
                 <a:solidFill>
                   <a:schemeClr val="folHlink"/>
                 </a:solidFill>
@@ -11451,7 +11798,7 @@
               <a:buNone/>
             </a:pPr>
             <a:r>
-              <a:rPr lang="en-US" altLang="zh-CN" sz="2000" b="1">
+              <a:rPr lang="en-US" altLang="zh-CN" sz="2000" b="1" dirty="0">
                 <a:solidFill>
                   <a:schemeClr val="folHlink"/>
                 </a:solidFill>
@@ -11476,7 +11823,7 @@
               <a:buNone/>
             </a:pPr>
             <a:r>
-              <a:rPr lang="en-US" altLang="zh-CN" sz="2000" b="1">
+              <a:rPr lang="en-US" altLang="zh-CN" sz="2000" b="1" dirty="0">
                 <a:latin typeface="Courier New" panose="02070309020205020404" pitchFamily="49" charset="0"/>
               </a:rPr>
               <a:t>  </a:t>
@@ -11498,13 +11845,13 @@
               <a:buNone/>
             </a:pPr>
             <a:r>
-              <a:rPr lang="en-US" altLang="zh-CN" sz="2000" b="1">
+              <a:rPr lang="en-US" altLang="zh-CN" sz="2000" b="1" dirty="0">
                 <a:latin typeface="Courier New" panose="02070309020205020404" pitchFamily="49" charset="0"/>
               </a:rPr>
               <a:t>  </a:t>
             </a:r>
             <a:r>
-              <a:rPr lang="en-US" altLang="zh-CN" sz="2000" b="1">
+              <a:rPr lang="en-US" altLang="zh-CN" sz="2000" b="1" dirty="0">
                 <a:solidFill>
                   <a:schemeClr val="hlink"/>
                 </a:solidFill>
@@ -11528,7 +11875,7 @@
               <a:buFont typeface="Wingdings" panose="05000000000000000000" pitchFamily="2" charset="2"/>
               <a:buNone/>
             </a:pPr>
-            <a:endParaRPr lang="en-US" altLang="zh-CN" sz="2000" b="1">
+            <a:endParaRPr lang="en-US" altLang="zh-CN" sz="2000" b="1" dirty="0">
               <a:latin typeface="Courier New" panose="02070309020205020404" pitchFamily="49" charset="0"/>
             </a:endParaRPr>
           </a:p>
@@ -11548,19 +11895,37 @@
               <a:buNone/>
             </a:pPr>
             <a:r>
-              <a:rPr lang="en-US" altLang="zh-CN" sz="2000" b="1">
+              <a:rPr lang="en-US" altLang="zh-CN" sz="2000" b="1" dirty="0">
                 <a:latin typeface="Courier New" panose="02070309020205020404" pitchFamily="49" charset="0"/>
               </a:rPr>
               <a:t>  	  </a:t>
             </a:r>
             <a:r>
-              <a:rPr lang="en-US" altLang="zh-CN" sz="2000" b="1">
-                <a:solidFill>
-                  <a:schemeClr val="folHlink"/>
-                </a:solidFill>
-                <a:latin typeface="Courier New" panose="02070309020205020404" pitchFamily="49" charset="0"/>
-              </a:rPr>
-              <a:t>c = getchar ();</a:t>
+              <a:rPr lang="en-US" altLang="zh-CN" sz="2000" b="1" dirty="0">
+                <a:solidFill>
+                  <a:schemeClr val="folHlink"/>
+                </a:solidFill>
+                <a:latin typeface="Courier New" panose="02070309020205020404" pitchFamily="49" charset="0"/>
+              </a:rPr>
+              <a:t>c = </a:t>
+            </a:r>
+            <a:r>
+              <a:rPr lang="en-US" altLang="zh-CN" sz="2000" b="1" dirty="0" err="1">
+                <a:solidFill>
+                  <a:schemeClr val="folHlink"/>
+                </a:solidFill>
+                <a:latin typeface="Courier New" panose="02070309020205020404" pitchFamily="49" charset="0"/>
+              </a:rPr>
+              <a:t>getchar</a:t>
+            </a:r>
+            <a:r>
+              <a:rPr lang="en-US" altLang="zh-CN" sz="2000" b="1" dirty="0">
+                <a:solidFill>
+                  <a:schemeClr val="folHlink"/>
+                </a:solidFill>
+                <a:latin typeface="Courier New" panose="02070309020205020404" pitchFamily="49" charset="0"/>
+              </a:rPr>
+              <a:t>();</a:t>
             </a:r>
           </a:p>
           <a:p>
@@ -11579,13 +11944,31 @@
               <a:buNone/>
             </a:pPr>
             <a:r>
-              <a:rPr lang="en-US" altLang="zh-CN" sz="2000" b="1">
-                <a:solidFill>
-                  <a:schemeClr val="folHlink"/>
-                </a:solidFill>
-                <a:latin typeface="Courier New" panose="02070309020205020404" pitchFamily="49" charset="0"/>
-              </a:rPr>
-              <a:t>	  putchar (c);</a:t>
+              <a:rPr lang="en-US" altLang="zh-CN" sz="2000" b="1" dirty="0">
+                <a:solidFill>
+                  <a:schemeClr val="folHlink"/>
+                </a:solidFill>
+                <a:latin typeface="Courier New" panose="02070309020205020404" pitchFamily="49" charset="0"/>
+              </a:rPr>
+              <a:t>	  </a:t>
+            </a:r>
+            <a:r>
+              <a:rPr lang="en-US" altLang="zh-CN" sz="2000" b="1" dirty="0" err="1">
+                <a:solidFill>
+                  <a:schemeClr val="folHlink"/>
+                </a:solidFill>
+                <a:latin typeface="Courier New" panose="02070309020205020404" pitchFamily="49" charset="0"/>
+              </a:rPr>
+              <a:t>putchar</a:t>
+            </a:r>
+            <a:r>
+              <a:rPr lang="en-US" altLang="zh-CN" sz="2000" b="1" dirty="0">
+                <a:solidFill>
+                  <a:schemeClr val="folHlink"/>
+                </a:solidFill>
+                <a:latin typeface="Courier New" panose="02070309020205020404" pitchFamily="49" charset="0"/>
+              </a:rPr>
+              <a:t>(c);</a:t>
             </a:r>
           </a:p>
           <a:p>
@@ -11604,13 +11987,13 @@
               <a:buNone/>
             </a:pPr>
             <a:r>
-              <a:rPr lang="en-US" altLang="zh-CN" sz="2000" b="1">
+              <a:rPr lang="en-US" altLang="zh-CN" sz="2000" b="1" dirty="0">
                 <a:latin typeface="Courier New" panose="02070309020205020404" pitchFamily="49" charset="0"/>
               </a:rPr>
               <a:t>	</a:t>
             </a:r>
             <a:r>
-              <a:rPr lang="en-US" altLang="zh-CN" sz="2000" b="1">
+              <a:rPr lang="en-US" altLang="zh-CN" sz="2000" b="1" dirty="0">
                 <a:solidFill>
                   <a:schemeClr val="hlink"/>
                 </a:solidFill>
@@ -11634,7 +12017,7 @@
               <a:buFont typeface="Wingdings" panose="05000000000000000000" pitchFamily="2" charset="2"/>
               <a:buNone/>
             </a:pPr>
-            <a:endParaRPr lang="en-US" altLang="zh-CN" sz="2000" b="1">
+            <a:endParaRPr lang="en-US" altLang="zh-CN" sz="2000" b="1" dirty="0">
               <a:latin typeface="Courier New" panose="02070309020205020404" pitchFamily="49" charset="0"/>
             </a:endParaRPr>
           </a:p>
@@ -11653,7 +12036,7 @@
               <a:buFont typeface="Wingdings" panose="05000000000000000000" pitchFamily="2" charset="2"/>
               <a:buNone/>
             </a:pPr>
-            <a:endParaRPr lang="en-US" altLang="zh-CN" sz="2000" b="1">
+            <a:endParaRPr lang="en-US" altLang="zh-CN" sz="2000" b="1" dirty="0">
               <a:latin typeface="Courier New" panose="02070309020205020404" pitchFamily="49" charset="0"/>
             </a:endParaRPr>
           </a:p>
@@ -11673,13 +12056,13 @@
               <a:buNone/>
             </a:pPr>
             <a:r>
-              <a:rPr lang="en-US" altLang="zh-CN" sz="2000" b="1">
+              <a:rPr lang="en-US" altLang="zh-CN" sz="2000" b="1" dirty="0">
                 <a:latin typeface="Courier New" panose="02070309020205020404" pitchFamily="49" charset="0"/>
               </a:rPr>
               <a:t>  </a:t>
             </a:r>
             <a:r>
-              <a:rPr lang="en-US" altLang="zh-CN" sz="2000" b="1">
+              <a:rPr lang="en-US" altLang="zh-CN" sz="2000" b="1" dirty="0">
                 <a:solidFill>
                   <a:schemeClr val="folHlink"/>
                 </a:solidFill>
@@ -11704,7 +12087,7 @@
               <a:buNone/>
             </a:pPr>
             <a:r>
-              <a:rPr lang="en-US" altLang="zh-CN" sz="2000" b="1">
+              <a:rPr lang="en-US" altLang="zh-CN" sz="2000" b="1" dirty="0">
                 <a:solidFill>
                   <a:schemeClr val="folHlink"/>
                 </a:solidFill>
@@ -12012,7 +12395,7 @@
                 </a:solidFill>
                 <a:latin typeface="Courier New" panose="02070309020205020404" pitchFamily="49" charset="0"/>
               </a:rPr>
-              <a:t> ();</a:t>
+              <a:t>();</a:t>
             </a:r>
           </a:p>
           <a:p>
@@ -12048,7 +12431,7 @@
                 </a:solidFill>
                 <a:latin typeface="Courier New" panose="02070309020205020404" pitchFamily="49" charset="0"/>
               </a:rPr>
-              <a:t>while(c != ‘a’) {</a:t>
+              <a:t>while(c != ‘a’){</a:t>
             </a:r>
           </a:p>
           <a:p>
@@ -12102,7 +12485,7 @@
                 </a:solidFill>
                 <a:latin typeface="Courier New" panose="02070309020205020404" pitchFamily="49" charset="0"/>
               </a:rPr>
-              <a:t> ();</a:t>
+              <a:t>();</a:t>
             </a:r>
           </a:p>
           <a:p>
@@ -12138,7 +12521,7 @@
                 </a:solidFill>
                 <a:latin typeface="Courier New" panose="02070309020205020404" pitchFamily="49" charset="0"/>
               </a:rPr>
-              <a:t> (c);</a:t>
+              <a:t>(c);</a:t>
             </a:r>
           </a:p>
           <a:p>
@@ -12315,7 +12698,7 @@
               <a:buNone/>
             </a:pPr>
             <a:r>
-              <a:rPr lang="en-US" altLang="zh-CN" sz="2000" b="1">
+              <a:rPr lang="en-US" altLang="zh-CN" sz="2000" b="1" dirty="0">
                 <a:latin typeface="Courier New" panose="02070309020205020404" pitchFamily="49" charset="0"/>
               </a:rPr>
               <a:t>/* count characters in input */</a:t>
@@ -12330,13 +12713,31 @@
               <a:buNone/>
             </a:pPr>
             <a:r>
-              <a:rPr lang="en-US" altLang="zh-CN" sz="2000" b="1">
-                <a:solidFill>
-                  <a:schemeClr val="folHlink"/>
-                </a:solidFill>
-                <a:latin typeface="Courier New" panose="02070309020205020404" pitchFamily="49" charset="0"/>
-              </a:rPr>
-              <a:t>#include &lt;stdio.h&gt; </a:t>
+              <a:rPr lang="en-US" altLang="zh-CN" sz="2000" b="1" dirty="0">
+                <a:solidFill>
+                  <a:schemeClr val="folHlink"/>
+                </a:solidFill>
+                <a:latin typeface="Courier New" panose="02070309020205020404" pitchFamily="49" charset="0"/>
+              </a:rPr>
+              <a:t>#include &lt;</a:t>
+            </a:r>
+            <a:r>
+              <a:rPr lang="en-US" altLang="zh-CN" sz="2000" b="1" dirty="0" err="1">
+                <a:solidFill>
+                  <a:schemeClr val="folHlink"/>
+                </a:solidFill>
+                <a:latin typeface="Courier New" panose="02070309020205020404" pitchFamily="49" charset="0"/>
+              </a:rPr>
+              <a:t>stdio.h</a:t>
+            </a:r>
+            <a:r>
+              <a:rPr lang="en-US" altLang="zh-CN" sz="2000" b="1" dirty="0">
+                <a:solidFill>
+                  <a:schemeClr val="folHlink"/>
+                </a:solidFill>
+                <a:latin typeface="Courier New" panose="02070309020205020404" pitchFamily="49" charset="0"/>
+              </a:rPr>
+              <a:t>&gt; </a:t>
             </a:r>
           </a:p>
           <a:p>
@@ -12347,7 +12748,7 @@
               <a:buFont typeface="Wingdings" panose="05000000000000000000" pitchFamily="2" charset="2"/>
               <a:buNone/>
             </a:pPr>
-            <a:endParaRPr lang="en-US" altLang="zh-CN" sz="2000" b="1">
+            <a:endParaRPr lang="en-US" altLang="zh-CN" sz="2000" b="1" dirty="0">
               <a:solidFill>
                 <a:schemeClr val="folHlink"/>
               </a:solidFill>
@@ -12363,7 +12764,7 @@
               <a:buNone/>
             </a:pPr>
             <a:r>
-              <a:rPr lang="en-US" altLang="zh-CN" sz="2000" b="1">
+              <a:rPr lang="en-US" altLang="zh-CN" sz="2000" b="1" dirty="0">
                 <a:solidFill>
                   <a:schemeClr val="folHlink"/>
                 </a:solidFill>
@@ -12381,13 +12782,40 @@
               <a:buNone/>
             </a:pPr>
             <a:r>
-              <a:rPr lang="en-US" altLang="zh-CN" sz="2000" b="1">
-                <a:solidFill>
-                  <a:schemeClr val="folHlink"/>
-                </a:solidFill>
-                <a:latin typeface="Courier New" panose="02070309020205020404" pitchFamily="49" charset="0"/>
-              </a:rPr>
-              <a:t>  long nc = 0; </a:t>
+              <a:rPr lang="en-US" altLang="zh-CN" sz="2000" b="1" dirty="0">
+                <a:solidFill>
+                  <a:schemeClr val="folHlink"/>
+                </a:solidFill>
+                <a:latin typeface="Courier New" panose="02070309020205020404" pitchFamily="49" charset="0"/>
+              </a:rPr>
+              <a:t>  long int</a:t>
+            </a:r>
+            <a:r>
+              <a:rPr lang="zh-CN" altLang="en-US" sz="2000" b="1" dirty="0">
+                <a:solidFill>
+                  <a:schemeClr val="folHlink"/>
+                </a:solidFill>
+                <a:latin typeface="Courier New" panose="02070309020205020404" pitchFamily="49" charset="0"/>
+              </a:rPr>
+              <a:t> </a:t>
+            </a:r>
+            <a:r>
+              <a:rPr lang="en-US" altLang="zh-CN" sz="2000" b="1" dirty="0" err="1">
+                <a:solidFill>
+                  <a:schemeClr val="folHlink"/>
+                </a:solidFill>
+                <a:latin typeface="Courier New" panose="02070309020205020404" pitchFamily="49" charset="0"/>
+              </a:rPr>
+              <a:t>nc</a:t>
+            </a:r>
+            <a:r>
+              <a:rPr lang="en-US" altLang="zh-CN" sz="2000" b="1" dirty="0">
+                <a:solidFill>
+                  <a:schemeClr val="folHlink"/>
+                </a:solidFill>
+                <a:latin typeface="Courier New" panose="02070309020205020404" pitchFamily="49" charset="0"/>
+              </a:rPr>
+              <a:t> = 0; </a:t>
             </a:r>
           </a:p>
           <a:p>
@@ -12398,7 +12826,7 @@
               <a:buFont typeface="Wingdings" panose="05000000000000000000" pitchFamily="2" charset="2"/>
               <a:buNone/>
             </a:pPr>
-            <a:endParaRPr lang="en-US" altLang="zh-CN" sz="2000" b="1">
+            <a:endParaRPr lang="en-US" altLang="zh-CN" sz="2000" b="1" dirty="0">
               <a:solidFill>
                 <a:schemeClr val="folHlink"/>
               </a:solidFill>
@@ -12414,13 +12842,31 @@
               <a:buNone/>
             </a:pPr>
             <a:r>
-              <a:rPr lang="en-US" altLang="zh-CN" sz="2000" b="1">
-                <a:solidFill>
-                  <a:schemeClr val="folHlink"/>
-                </a:solidFill>
-                <a:latin typeface="Courier New" panose="02070309020205020404" pitchFamily="49" charset="0"/>
-              </a:rPr>
-              <a:t>  while (getchar() != EOF) </a:t>
+              <a:rPr lang="en-US" altLang="zh-CN" sz="2000" b="1" dirty="0">
+                <a:solidFill>
+                  <a:schemeClr val="folHlink"/>
+                </a:solidFill>
+                <a:latin typeface="Courier New" panose="02070309020205020404" pitchFamily="49" charset="0"/>
+              </a:rPr>
+              <a:t>  while(</a:t>
+            </a:r>
+            <a:r>
+              <a:rPr lang="en-US" altLang="zh-CN" sz="2000" b="1" dirty="0" err="1">
+                <a:solidFill>
+                  <a:schemeClr val="folHlink"/>
+                </a:solidFill>
+                <a:latin typeface="Courier New" panose="02070309020205020404" pitchFamily="49" charset="0"/>
+              </a:rPr>
+              <a:t>getchar</a:t>
+            </a:r>
+            <a:r>
+              <a:rPr lang="en-US" altLang="zh-CN" sz="2000" b="1" dirty="0">
+                <a:solidFill>
+                  <a:schemeClr val="folHlink"/>
+                </a:solidFill>
+                <a:latin typeface="Courier New" panose="02070309020205020404" pitchFamily="49" charset="0"/>
+              </a:rPr>
+              <a:t>() != EOF) </a:t>
             </a:r>
           </a:p>
           <a:p>
@@ -12432,13 +12878,31 @@
               <a:buNone/>
             </a:pPr>
             <a:r>
-              <a:rPr lang="en-US" altLang="zh-CN" sz="2000" b="1">
-                <a:solidFill>
-                  <a:schemeClr val="folHlink"/>
-                </a:solidFill>
-                <a:latin typeface="Courier New" panose="02070309020205020404" pitchFamily="49" charset="0"/>
-              </a:rPr>
-              <a:t>    nc++; </a:t>
+              <a:rPr lang="en-US" altLang="zh-CN" sz="2000" b="1" dirty="0">
+                <a:solidFill>
+                  <a:schemeClr val="folHlink"/>
+                </a:solidFill>
+                <a:latin typeface="Courier New" panose="02070309020205020404" pitchFamily="49" charset="0"/>
+              </a:rPr>
+              <a:t>    </a:t>
+            </a:r>
+            <a:r>
+              <a:rPr lang="en-US" altLang="zh-CN" sz="2000" b="1" dirty="0" err="1">
+                <a:solidFill>
+                  <a:schemeClr val="folHlink"/>
+                </a:solidFill>
+                <a:latin typeface="Courier New" panose="02070309020205020404" pitchFamily="49" charset="0"/>
+              </a:rPr>
+              <a:t>nc</a:t>
+            </a:r>
+            <a:r>
+              <a:rPr lang="en-US" altLang="zh-CN" sz="2000" b="1" dirty="0">
+                <a:solidFill>
+                  <a:schemeClr val="folHlink"/>
+                </a:solidFill>
+                <a:latin typeface="Courier New" panose="02070309020205020404" pitchFamily="49" charset="0"/>
+              </a:rPr>
+              <a:t>++; </a:t>
             </a:r>
           </a:p>
           <a:p>
@@ -12450,13 +12914,67 @@
               <a:buNone/>
             </a:pPr>
             <a:r>
-              <a:rPr lang="en-US" altLang="zh-CN" sz="2000" b="1">
-                <a:solidFill>
-                  <a:schemeClr val="folHlink"/>
-                </a:solidFill>
-                <a:latin typeface="Courier New" panose="02070309020205020404" pitchFamily="49" charset="0"/>
-              </a:rPr>
-              <a:t>  printf("%ld\n", nc); </a:t>
+              <a:rPr lang="en-US" altLang="zh-CN" sz="2000" b="1" dirty="0">
+                <a:solidFill>
+                  <a:schemeClr val="folHlink"/>
+                </a:solidFill>
+                <a:latin typeface="Courier New" panose="02070309020205020404" pitchFamily="49" charset="0"/>
+              </a:rPr>
+              <a:t>  </a:t>
+            </a:r>
+            <a:r>
+              <a:rPr lang="en-US" altLang="zh-CN" sz="2000" b="1" dirty="0" err="1">
+                <a:solidFill>
+                  <a:schemeClr val="folHlink"/>
+                </a:solidFill>
+                <a:latin typeface="Courier New" panose="02070309020205020404" pitchFamily="49" charset="0"/>
+              </a:rPr>
+              <a:t>printf</a:t>
+            </a:r>
+            <a:r>
+              <a:rPr lang="en-US" altLang="zh-CN" sz="2000" b="1" dirty="0">
+                <a:solidFill>
+                  <a:schemeClr val="folHlink"/>
+                </a:solidFill>
+                <a:latin typeface="Courier New" panose="02070309020205020404" pitchFamily="49" charset="0"/>
+              </a:rPr>
+              <a:t>("%</a:t>
+            </a:r>
+            <a:r>
+              <a:rPr lang="en-US" altLang="zh-CN" sz="2000" b="1" dirty="0" err="1">
+                <a:solidFill>
+                  <a:schemeClr val="folHlink"/>
+                </a:solidFill>
+                <a:latin typeface="Courier New" panose="02070309020205020404" pitchFamily="49" charset="0"/>
+              </a:rPr>
+              <a:t>ld</a:t>
+            </a:r>
+            <a:r>
+              <a:rPr lang="en-US" altLang="zh-CN" sz="2000" b="1" dirty="0">
+                <a:solidFill>
+                  <a:schemeClr val="folHlink"/>
+                </a:solidFill>
+                <a:latin typeface="Courier New" panose="02070309020205020404" pitchFamily="49" charset="0"/>
+              </a:rPr>
+              <a:t>\n", </a:t>
+            </a:r>
+            <a:r>
+              <a:rPr lang="en-US" altLang="zh-CN" sz="2000" b="1" dirty="0" err="1">
+                <a:solidFill>
+                  <a:schemeClr val="folHlink"/>
+                </a:solidFill>
+                <a:latin typeface="Courier New" panose="02070309020205020404" pitchFamily="49" charset="0"/>
+              </a:rPr>
+              <a:t>nc</a:t>
+            </a:r>
+            <a:r>
+              <a:rPr lang="en-US" altLang="zh-CN" sz="2000" b="1" dirty="0">
+                <a:solidFill>
+                  <a:schemeClr val="folHlink"/>
+                </a:solidFill>
+                <a:latin typeface="Courier New" panose="02070309020205020404" pitchFamily="49" charset="0"/>
+              </a:rPr>
+              <a:t>); </a:t>
             </a:r>
           </a:p>
           <a:p>
@@ -12467,7 +12985,7 @@
               <a:buFont typeface="Wingdings" panose="05000000000000000000" pitchFamily="2" charset="2"/>
               <a:buNone/>
             </a:pPr>
-            <a:endParaRPr lang="en-US" altLang="zh-CN" sz="2000" b="1">
+            <a:endParaRPr lang="en-US" altLang="zh-CN" sz="2000" b="1" dirty="0">
               <a:solidFill>
                 <a:schemeClr val="folHlink"/>
               </a:solidFill>
@@ -12483,7 +13001,7 @@
               <a:buNone/>
             </a:pPr>
             <a:r>
-              <a:rPr lang="en-US" altLang="zh-CN" sz="2000" b="1">
+              <a:rPr lang="en-US" altLang="zh-CN" sz="2000" b="1" dirty="0">
                 <a:solidFill>
                   <a:schemeClr val="folHlink"/>
                 </a:solidFill>
@@ -12501,7 +13019,7 @@
               <a:buNone/>
             </a:pPr>
             <a:r>
-              <a:rPr lang="en-US" altLang="zh-CN" sz="2000" b="1">
+              <a:rPr lang="en-US" altLang="zh-CN" sz="2000" b="1" dirty="0">
                 <a:solidFill>
                   <a:schemeClr val="folHlink"/>
                 </a:solidFill>

--- a/courses/sysprog/slides/lec02-charIO.pptx
+++ b/courses/sysprog/slides/lec02-charIO.pptx
@@ -6257,8 +6257,23 @@
                 </a:solidFill>
                 <a:latin typeface="Courier New" panose="02070309020205020404" pitchFamily="49" charset="0"/>
               </a:rPr>
-              <a:t>void foo(long[] a){</a:t>
-            </a:r>
+              <a:t>void foo</a:t>
+            </a:r>
+            <a:r>
+              <a:rPr lang="en-US" altLang="zh-CN" sz="2000" b="1">
+                <a:solidFill>
+                  <a:schemeClr val="folHlink"/>
+                </a:solidFill>
+                <a:latin typeface="Courier New" panose="02070309020205020404" pitchFamily="49" charset="0"/>
+              </a:rPr>
+              <a:t>(long a[]){</a:t>
+            </a:r>
+            <a:endParaRPr lang="en-US" altLang="zh-CN" sz="2000" b="1" dirty="0">
+              <a:solidFill>
+                <a:schemeClr val="folHlink"/>
+              </a:solidFill>
+              <a:latin typeface="Courier New" panose="02070309020205020404" pitchFamily="49" charset="0"/>
+            </a:endParaRPr>
           </a:p>
           <a:p>
             <a:pPr>
